--- a/replication/my_replication/Replication Presentation.pptx
+++ b/replication/my_replication/Replication Presentation.pptx
@@ -111,6 +111,11 @@
       </a:defRPr>
     </a:lvl9pPr>
   </p:defaultTextStyle>
+  <p:extLst>
+    <p:ext uri="{EFAFB233-063F-42B5-8137-9DF3F51BA10A}">
+      <p15:sldGuideLst xmlns:p15="http://schemas.microsoft.com/office/powerpoint/2012/main"/>
+    </p:ext>
+  </p:extLst>
 </p:presentation>
 </file>
 

--- a/replication/my_replication/Replication Presentation.pptx
+++ b/replication/my_replication/Replication Presentation.pptx
@@ -4,15 +4,19 @@
   <p:sldMasterIdLst>
     <p:sldMasterId id="2147483672" r:id="rId1"/>
   </p:sldMasterIdLst>
+  <p:notesMasterIdLst>
+    <p:notesMasterId r:id="rId11"/>
+  </p:notesMasterIdLst>
   <p:sldIdLst>
     <p:sldId id="256" r:id="rId2"/>
-    <p:sldId id="257" r:id="rId3"/>
-    <p:sldId id="263" r:id="rId4"/>
+    <p:sldId id="263" r:id="rId3"/>
+    <p:sldId id="257" r:id="rId4"/>
     <p:sldId id="258" r:id="rId5"/>
     <p:sldId id="259" r:id="rId6"/>
     <p:sldId id="260" r:id="rId7"/>
-    <p:sldId id="261" r:id="rId8"/>
-    <p:sldId id="262" r:id="rId9"/>
+    <p:sldId id="264" r:id="rId8"/>
+    <p:sldId id="261" r:id="rId9"/>
+    <p:sldId id="262" r:id="rId10"/>
   </p:sldIdLst>
   <p:sldSz cx="12192000" cy="6858000"/>
   <p:notesSz cx="6858000" cy="9144000"/>
@@ -119,6 +123,754 @@
 </p:presentation>
 </file>
 
+<file path=ppt/notesMasters/notesMaster1.xml><?xml version="1.0" encoding="utf-8"?>
+<p:notesMaster xmlns:a="http://schemas.openxmlformats.org/drawingml/2006/main" xmlns:r="http://schemas.openxmlformats.org/officeDocument/2006/relationships" xmlns:p="http://schemas.openxmlformats.org/presentationml/2006/main">
+  <p:cSld>
+    <p:bg>
+      <p:bgRef idx="1001">
+        <a:schemeClr val="bg1"/>
+      </p:bgRef>
+    </p:bg>
+    <p:spTree>
+      <p:nvGrpSpPr>
+        <p:cNvPr id="1" name=""/>
+        <p:cNvGrpSpPr/>
+        <p:nvPr/>
+      </p:nvGrpSpPr>
+      <p:grpSpPr>
+        <a:xfrm>
+          <a:off x="0" y="0"/>
+          <a:ext cx="0" cy="0"/>
+          <a:chOff x="0" y="0"/>
+          <a:chExt cx="0" cy="0"/>
+        </a:xfrm>
+      </p:grpSpPr>
+      <p:sp>
+        <p:nvSpPr>
+          <p:cNvPr id="2" name="Header Placeholder 1"/>
+          <p:cNvSpPr>
+            <a:spLocks noGrp="1"/>
+          </p:cNvSpPr>
+          <p:nvPr>
+            <p:ph type="hdr" sz="quarter"/>
+          </p:nvPr>
+        </p:nvSpPr>
+        <p:spPr>
+          <a:xfrm>
+            <a:off x="0" y="0"/>
+            <a:ext cx="2971800" cy="458788"/>
+          </a:xfrm>
+          <a:prstGeom prst="rect">
+            <a:avLst/>
+          </a:prstGeom>
+        </p:spPr>
+        <p:txBody>
+          <a:bodyPr vert="horz" lIns="91440" tIns="45720" rIns="91440" bIns="45720" rtlCol="0"/>
+          <a:lstStyle>
+            <a:lvl1pPr algn="l">
+              <a:defRPr sz="1200"/>
+            </a:lvl1pPr>
+          </a:lstStyle>
+          <a:p>
+            <a:endParaRPr lang="en-GB"/>
+          </a:p>
+        </p:txBody>
+      </p:sp>
+      <p:sp>
+        <p:nvSpPr>
+          <p:cNvPr id="3" name="Date Placeholder 2"/>
+          <p:cNvSpPr>
+            <a:spLocks noGrp="1"/>
+          </p:cNvSpPr>
+          <p:nvPr>
+            <p:ph type="dt" idx="1"/>
+          </p:nvPr>
+        </p:nvSpPr>
+        <p:spPr>
+          <a:xfrm>
+            <a:off x="3884613" y="0"/>
+            <a:ext cx="2971800" cy="458788"/>
+          </a:xfrm>
+          <a:prstGeom prst="rect">
+            <a:avLst/>
+          </a:prstGeom>
+        </p:spPr>
+        <p:txBody>
+          <a:bodyPr vert="horz" lIns="91440" tIns="45720" rIns="91440" bIns="45720" rtlCol="0"/>
+          <a:lstStyle>
+            <a:lvl1pPr algn="r">
+              <a:defRPr sz="1200"/>
+            </a:lvl1pPr>
+          </a:lstStyle>
+          <a:p>
+            <a:fld id="{A5F70A08-42AA-4B0E-A29E-6B352AC223E1}" type="datetimeFigureOut">
+              <a:rPr lang="en-GB" smtClean="0"/>
+              <a:t>01/04/2024</a:t>
+            </a:fld>
+            <a:endParaRPr lang="en-GB"/>
+          </a:p>
+        </p:txBody>
+      </p:sp>
+      <p:sp>
+        <p:nvSpPr>
+          <p:cNvPr id="4" name="Slide Image Placeholder 3"/>
+          <p:cNvSpPr>
+            <a:spLocks noGrp="1" noRot="1" noChangeAspect="1"/>
+          </p:cNvSpPr>
+          <p:nvPr>
+            <p:ph type="sldImg" idx="2"/>
+          </p:nvPr>
+        </p:nvSpPr>
+        <p:spPr>
+          <a:xfrm>
+            <a:off x="685800" y="1143000"/>
+            <a:ext cx="5486400" cy="3086100"/>
+          </a:xfrm>
+          <a:prstGeom prst="rect">
+            <a:avLst/>
+          </a:prstGeom>
+          <a:noFill/>
+          <a:ln w="12700">
+            <a:solidFill>
+              <a:prstClr val="black"/>
+            </a:solidFill>
+          </a:ln>
+        </p:spPr>
+        <p:txBody>
+          <a:bodyPr vert="horz" lIns="91440" tIns="45720" rIns="91440" bIns="45720" rtlCol="0" anchor="ctr"/>
+          <a:lstStyle/>
+          <a:p>
+            <a:endParaRPr lang="en-GB"/>
+          </a:p>
+        </p:txBody>
+      </p:sp>
+      <p:sp>
+        <p:nvSpPr>
+          <p:cNvPr id="5" name="Notes Placeholder 4"/>
+          <p:cNvSpPr>
+            <a:spLocks noGrp="1"/>
+          </p:cNvSpPr>
+          <p:nvPr>
+            <p:ph type="body" sz="quarter" idx="3"/>
+          </p:nvPr>
+        </p:nvSpPr>
+        <p:spPr>
+          <a:xfrm>
+            <a:off x="685800" y="4400550"/>
+            <a:ext cx="5486400" cy="3600450"/>
+          </a:xfrm>
+          <a:prstGeom prst="rect">
+            <a:avLst/>
+          </a:prstGeom>
+        </p:spPr>
+        <p:txBody>
+          <a:bodyPr vert="horz" lIns="91440" tIns="45720" rIns="91440" bIns="45720" rtlCol="0"/>
+          <a:lstStyle/>
+          <a:p>
+            <a:pPr lvl="0"/>
+            <a:r>
+              <a:rPr lang="en-US"/>
+              <a:t>Click to edit Master text styles</a:t>
+            </a:r>
+          </a:p>
+          <a:p>
+            <a:pPr lvl="1"/>
+            <a:r>
+              <a:rPr lang="en-US"/>
+              <a:t>Second level</a:t>
+            </a:r>
+          </a:p>
+          <a:p>
+            <a:pPr lvl="2"/>
+            <a:r>
+              <a:rPr lang="en-US"/>
+              <a:t>Third level</a:t>
+            </a:r>
+          </a:p>
+          <a:p>
+            <a:pPr lvl="3"/>
+            <a:r>
+              <a:rPr lang="en-US"/>
+              <a:t>Fourth level</a:t>
+            </a:r>
+          </a:p>
+          <a:p>
+            <a:pPr lvl="4"/>
+            <a:r>
+              <a:rPr lang="en-US"/>
+              <a:t>Fifth level</a:t>
+            </a:r>
+            <a:endParaRPr lang="en-GB"/>
+          </a:p>
+        </p:txBody>
+      </p:sp>
+      <p:sp>
+        <p:nvSpPr>
+          <p:cNvPr id="6" name="Footer Placeholder 5"/>
+          <p:cNvSpPr>
+            <a:spLocks noGrp="1"/>
+          </p:cNvSpPr>
+          <p:nvPr>
+            <p:ph type="ftr" sz="quarter" idx="4"/>
+          </p:nvPr>
+        </p:nvSpPr>
+        <p:spPr>
+          <a:xfrm>
+            <a:off x="0" y="8685213"/>
+            <a:ext cx="2971800" cy="458787"/>
+          </a:xfrm>
+          <a:prstGeom prst="rect">
+            <a:avLst/>
+          </a:prstGeom>
+        </p:spPr>
+        <p:txBody>
+          <a:bodyPr vert="horz" lIns="91440" tIns="45720" rIns="91440" bIns="45720" rtlCol="0" anchor="b"/>
+          <a:lstStyle>
+            <a:lvl1pPr algn="l">
+              <a:defRPr sz="1200"/>
+            </a:lvl1pPr>
+          </a:lstStyle>
+          <a:p>
+            <a:endParaRPr lang="en-GB"/>
+          </a:p>
+        </p:txBody>
+      </p:sp>
+      <p:sp>
+        <p:nvSpPr>
+          <p:cNvPr id="7" name="Slide Number Placeholder 6"/>
+          <p:cNvSpPr>
+            <a:spLocks noGrp="1"/>
+          </p:cNvSpPr>
+          <p:nvPr>
+            <p:ph type="sldNum" sz="quarter" idx="5"/>
+          </p:nvPr>
+        </p:nvSpPr>
+        <p:spPr>
+          <a:xfrm>
+            <a:off x="3884613" y="8685213"/>
+            <a:ext cx="2971800" cy="458787"/>
+          </a:xfrm>
+          <a:prstGeom prst="rect">
+            <a:avLst/>
+          </a:prstGeom>
+        </p:spPr>
+        <p:txBody>
+          <a:bodyPr vert="horz" lIns="91440" tIns="45720" rIns="91440" bIns="45720" rtlCol="0" anchor="b"/>
+          <a:lstStyle>
+            <a:lvl1pPr algn="r">
+              <a:defRPr sz="1200"/>
+            </a:lvl1pPr>
+          </a:lstStyle>
+          <a:p>
+            <a:fld id="{F265E688-6067-464E-855C-14FAB24CDA79}" type="slidenum">
+              <a:rPr lang="en-GB" smtClean="0"/>
+              <a:t>‹#›</a:t>
+            </a:fld>
+            <a:endParaRPr lang="en-GB"/>
+          </a:p>
+        </p:txBody>
+      </p:sp>
+    </p:spTree>
+    <p:extLst>
+      <p:ext uri="{BB962C8B-B14F-4D97-AF65-F5344CB8AC3E}">
+        <p14:creationId xmlns:p14="http://schemas.microsoft.com/office/powerpoint/2010/main" val="2526238439"/>
+      </p:ext>
+    </p:extLst>
+  </p:cSld>
+  <p:clrMap bg1="lt1" tx1="dk1" bg2="lt2" tx2="dk2" accent1="accent1" accent2="accent2" accent3="accent3" accent4="accent4" accent5="accent5" accent6="accent6" hlink="hlink" folHlink="folHlink"/>
+  <p:notesStyle>
+    <a:lvl1pPr marL="0" algn="l" defTabSz="914400" rtl="0" eaLnBrk="1" latinLnBrk="0" hangingPunct="1">
+      <a:defRPr sz="1200" kern="1200">
+        <a:solidFill>
+          <a:schemeClr val="tx1"/>
+        </a:solidFill>
+        <a:latin typeface="+mn-lt"/>
+        <a:ea typeface="+mn-ea"/>
+        <a:cs typeface="+mn-cs"/>
+      </a:defRPr>
+    </a:lvl1pPr>
+    <a:lvl2pPr marL="457200" algn="l" defTabSz="914400" rtl="0" eaLnBrk="1" latinLnBrk="0" hangingPunct="1">
+      <a:defRPr sz="1200" kern="1200">
+        <a:solidFill>
+          <a:schemeClr val="tx1"/>
+        </a:solidFill>
+        <a:latin typeface="+mn-lt"/>
+        <a:ea typeface="+mn-ea"/>
+        <a:cs typeface="+mn-cs"/>
+      </a:defRPr>
+    </a:lvl2pPr>
+    <a:lvl3pPr marL="914400" algn="l" defTabSz="914400" rtl="0" eaLnBrk="1" latinLnBrk="0" hangingPunct="1">
+      <a:defRPr sz="1200" kern="1200">
+        <a:solidFill>
+          <a:schemeClr val="tx1"/>
+        </a:solidFill>
+        <a:latin typeface="+mn-lt"/>
+        <a:ea typeface="+mn-ea"/>
+        <a:cs typeface="+mn-cs"/>
+      </a:defRPr>
+    </a:lvl3pPr>
+    <a:lvl4pPr marL="1371600" algn="l" defTabSz="914400" rtl="0" eaLnBrk="1" latinLnBrk="0" hangingPunct="1">
+      <a:defRPr sz="1200" kern="1200">
+        <a:solidFill>
+          <a:schemeClr val="tx1"/>
+        </a:solidFill>
+        <a:latin typeface="+mn-lt"/>
+        <a:ea typeface="+mn-ea"/>
+        <a:cs typeface="+mn-cs"/>
+      </a:defRPr>
+    </a:lvl4pPr>
+    <a:lvl5pPr marL="1828800" algn="l" defTabSz="914400" rtl="0" eaLnBrk="1" latinLnBrk="0" hangingPunct="1">
+      <a:defRPr sz="1200" kern="1200">
+        <a:solidFill>
+          <a:schemeClr val="tx1"/>
+        </a:solidFill>
+        <a:latin typeface="+mn-lt"/>
+        <a:ea typeface="+mn-ea"/>
+        <a:cs typeface="+mn-cs"/>
+      </a:defRPr>
+    </a:lvl5pPr>
+    <a:lvl6pPr marL="2286000" algn="l" defTabSz="914400" rtl="0" eaLnBrk="1" latinLnBrk="0" hangingPunct="1">
+      <a:defRPr sz="1200" kern="1200">
+        <a:solidFill>
+          <a:schemeClr val="tx1"/>
+        </a:solidFill>
+        <a:latin typeface="+mn-lt"/>
+        <a:ea typeface="+mn-ea"/>
+        <a:cs typeface="+mn-cs"/>
+      </a:defRPr>
+    </a:lvl6pPr>
+    <a:lvl7pPr marL="2743200" algn="l" defTabSz="914400" rtl="0" eaLnBrk="1" latinLnBrk="0" hangingPunct="1">
+      <a:defRPr sz="1200" kern="1200">
+        <a:solidFill>
+          <a:schemeClr val="tx1"/>
+        </a:solidFill>
+        <a:latin typeface="+mn-lt"/>
+        <a:ea typeface="+mn-ea"/>
+        <a:cs typeface="+mn-cs"/>
+      </a:defRPr>
+    </a:lvl7pPr>
+    <a:lvl8pPr marL="3200400" algn="l" defTabSz="914400" rtl="0" eaLnBrk="1" latinLnBrk="0" hangingPunct="1">
+      <a:defRPr sz="1200" kern="1200">
+        <a:solidFill>
+          <a:schemeClr val="tx1"/>
+        </a:solidFill>
+        <a:latin typeface="+mn-lt"/>
+        <a:ea typeface="+mn-ea"/>
+        <a:cs typeface="+mn-cs"/>
+      </a:defRPr>
+    </a:lvl8pPr>
+    <a:lvl9pPr marL="3657600" algn="l" defTabSz="914400" rtl="0" eaLnBrk="1" latinLnBrk="0" hangingPunct="1">
+      <a:defRPr sz="1200" kern="1200">
+        <a:solidFill>
+          <a:schemeClr val="tx1"/>
+        </a:solidFill>
+        <a:latin typeface="+mn-lt"/>
+        <a:ea typeface="+mn-ea"/>
+        <a:cs typeface="+mn-cs"/>
+      </a:defRPr>
+    </a:lvl9pPr>
+  </p:notesStyle>
+</p:notesMaster>
+</file>
+
+<file path=ppt/notesSlides/notesSlide1.xml><?xml version="1.0" encoding="utf-8"?>
+<p:notes xmlns:a="http://schemas.openxmlformats.org/drawingml/2006/main" xmlns:r="http://schemas.openxmlformats.org/officeDocument/2006/relationships" xmlns:p="http://schemas.openxmlformats.org/presentationml/2006/main">
+  <p:cSld>
+    <p:spTree>
+      <p:nvGrpSpPr>
+        <p:cNvPr id="1" name=""/>
+        <p:cNvGrpSpPr/>
+        <p:nvPr/>
+      </p:nvGrpSpPr>
+      <p:grpSpPr>
+        <a:xfrm>
+          <a:off x="0" y="0"/>
+          <a:ext cx="0" cy="0"/>
+          <a:chOff x="0" y="0"/>
+          <a:chExt cx="0" cy="0"/>
+        </a:xfrm>
+      </p:grpSpPr>
+      <p:sp>
+        <p:nvSpPr>
+          <p:cNvPr id="2" name="Slide Image Placeholder 1"/>
+          <p:cNvSpPr>
+            <a:spLocks noGrp="1" noRot="1" noChangeAspect="1"/>
+          </p:cNvSpPr>
+          <p:nvPr>
+            <p:ph type="sldImg"/>
+          </p:nvPr>
+        </p:nvSpPr>
+        <p:spPr/>
+      </p:sp>
+      <p:sp>
+        <p:nvSpPr>
+          <p:cNvPr id="3" name="Notes Placeholder 2"/>
+          <p:cNvSpPr>
+            <a:spLocks noGrp="1"/>
+          </p:cNvSpPr>
+          <p:nvPr>
+            <p:ph type="body" idx="1"/>
+          </p:nvPr>
+        </p:nvSpPr>
+        <p:spPr/>
+        <p:txBody>
+          <a:bodyPr/>
+          <a:lstStyle/>
+          <a:p>
+            <a:pPr marL="0" marR="0" lvl="0" indent="0" algn="l" defTabSz="914400" rtl="0" eaLnBrk="1" fontAlgn="auto" latinLnBrk="0" hangingPunct="1">
+              <a:lnSpc>
+                <a:spcPct val="100000"/>
+              </a:lnSpc>
+              <a:spcBef>
+                <a:spcPts val="0"/>
+              </a:spcBef>
+              <a:spcAft>
+                <a:spcPts val="0"/>
+              </a:spcAft>
+              <a:buClrTx/>
+              <a:buSzTx/>
+              <a:buFontTx/>
+              <a:buNone/>
+              <a:tabLst/>
+              <a:defRPr/>
+            </a:pPr>
+            <a:r>
+              <a:rPr lang="en-GB" dirty="0">
+                <a:latin typeface="Times New Roman" panose="02020603050405020304" pitchFamily="18" charset="0"/>
+                <a:cs typeface="Times New Roman" panose="02020603050405020304" pitchFamily="18" charset="0"/>
+              </a:rPr>
+              <a:t>He believes </a:t>
+            </a:r>
+            <a:r>
+              <a:rPr lang="en-IN" dirty="0">
+                <a:latin typeface="Times New Roman" panose="02020603050405020304" pitchFamily="18" charset="0"/>
+                <a:cs typeface="Times New Roman" panose="02020603050405020304" pitchFamily="18" charset="0"/>
+              </a:rPr>
+              <a:t>analysing the associations between demographic groups and voting does not reveal the relative importance of the corresponding social identities to politics</a:t>
+            </a:r>
+            <a:endParaRPr lang="en-GB" dirty="0">
+              <a:latin typeface="Times New Roman" panose="02020603050405020304" pitchFamily="18" charset="0"/>
+              <a:cs typeface="Times New Roman" panose="02020603050405020304" pitchFamily="18" charset="0"/>
+            </a:endParaRPr>
+          </a:p>
+          <a:p>
+            <a:endParaRPr lang="en-GB" dirty="0"/>
+          </a:p>
+        </p:txBody>
+      </p:sp>
+      <p:sp>
+        <p:nvSpPr>
+          <p:cNvPr id="4" name="Slide Number Placeholder 3"/>
+          <p:cNvSpPr>
+            <a:spLocks noGrp="1"/>
+          </p:cNvSpPr>
+          <p:nvPr>
+            <p:ph type="sldNum" sz="quarter" idx="5"/>
+          </p:nvPr>
+        </p:nvSpPr>
+        <p:spPr/>
+        <p:txBody>
+          <a:bodyPr/>
+          <a:lstStyle/>
+          <a:p>
+            <a:fld id="{F265E688-6067-464E-855C-14FAB24CDA79}" type="slidenum">
+              <a:rPr lang="en-GB" smtClean="0"/>
+              <a:t>2</a:t>
+            </a:fld>
+            <a:endParaRPr lang="en-GB"/>
+          </a:p>
+        </p:txBody>
+      </p:sp>
+    </p:spTree>
+    <p:extLst>
+      <p:ext uri="{BB962C8B-B14F-4D97-AF65-F5344CB8AC3E}">
+        <p14:creationId xmlns:p14="http://schemas.microsoft.com/office/powerpoint/2010/main" val="1726256913"/>
+      </p:ext>
+    </p:extLst>
+  </p:cSld>
+  <p:clrMapOvr>
+    <a:masterClrMapping/>
+  </p:clrMapOvr>
+</p:notes>
+</file>
+
+<file path=ppt/notesSlides/notesSlide2.xml><?xml version="1.0" encoding="utf-8"?>
+<p:notes xmlns:a="http://schemas.openxmlformats.org/drawingml/2006/main" xmlns:r="http://schemas.openxmlformats.org/officeDocument/2006/relationships" xmlns:p="http://schemas.openxmlformats.org/presentationml/2006/main">
+  <p:cSld>
+    <p:spTree>
+      <p:nvGrpSpPr>
+        <p:cNvPr id="1" name=""/>
+        <p:cNvGrpSpPr/>
+        <p:nvPr/>
+      </p:nvGrpSpPr>
+      <p:grpSpPr>
+        <a:xfrm>
+          <a:off x="0" y="0"/>
+          <a:ext cx="0" cy="0"/>
+          <a:chOff x="0" y="0"/>
+          <a:chExt cx="0" cy="0"/>
+        </a:xfrm>
+      </p:grpSpPr>
+      <p:sp>
+        <p:nvSpPr>
+          <p:cNvPr id="2" name="Slide Image Placeholder 1"/>
+          <p:cNvSpPr>
+            <a:spLocks noGrp="1" noRot="1" noChangeAspect="1"/>
+          </p:cNvSpPr>
+          <p:nvPr>
+            <p:ph type="sldImg"/>
+          </p:nvPr>
+        </p:nvSpPr>
+        <p:spPr/>
+      </p:sp>
+      <p:sp>
+        <p:nvSpPr>
+          <p:cNvPr id="3" name="Notes Placeholder 2"/>
+          <p:cNvSpPr>
+            <a:spLocks noGrp="1"/>
+          </p:cNvSpPr>
+          <p:nvPr>
+            <p:ph type="body" idx="1"/>
+          </p:nvPr>
+        </p:nvSpPr>
+        <p:spPr/>
+        <p:txBody>
+          <a:bodyPr/>
+          <a:lstStyle/>
+          <a:p>
+            <a:r>
+              <a:rPr lang="en-GB" dirty="0"/>
+              <a:t>Example of how Gender </a:t>
+            </a:r>
+          </a:p>
+        </p:txBody>
+      </p:sp>
+      <p:sp>
+        <p:nvSpPr>
+          <p:cNvPr id="4" name="Slide Number Placeholder 3"/>
+          <p:cNvSpPr>
+            <a:spLocks noGrp="1"/>
+          </p:cNvSpPr>
+          <p:nvPr>
+            <p:ph type="sldNum" sz="quarter" idx="5"/>
+          </p:nvPr>
+        </p:nvSpPr>
+        <p:spPr/>
+        <p:txBody>
+          <a:bodyPr/>
+          <a:lstStyle/>
+          <a:p>
+            <a:fld id="{F265E688-6067-464E-855C-14FAB24CDA79}" type="slidenum">
+              <a:rPr lang="en-GB" smtClean="0"/>
+              <a:t>4</a:t>
+            </a:fld>
+            <a:endParaRPr lang="en-GB"/>
+          </a:p>
+        </p:txBody>
+      </p:sp>
+    </p:spTree>
+    <p:extLst>
+      <p:ext uri="{BB962C8B-B14F-4D97-AF65-F5344CB8AC3E}">
+        <p14:creationId xmlns:p14="http://schemas.microsoft.com/office/powerpoint/2010/main" val="1184755517"/>
+      </p:ext>
+    </p:extLst>
+  </p:cSld>
+  <p:clrMapOvr>
+    <a:masterClrMapping/>
+  </p:clrMapOvr>
+</p:notes>
+</file>
+
+<file path=ppt/notesSlides/notesSlide3.xml><?xml version="1.0" encoding="utf-8"?>
+<p:notes xmlns:a="http://schemas.openxmlformats.org/drawingml/2006/main" xmlns:r="http://schemas.openxmlformats.org/officeDocument/2006/relationships" xmlns:p="http://schemas.openxmlformats.org/presentationml/2006/main">
+  <p:cSld>
+    <p:spTree>
+      <p:nvGrpSpPr>
+        <p:cNvPr id="1" name=""/>
+        <p:cNvGrpSpPr/>
+        <p:nvPr/>
+      </p:nvGrpSpPr>
+      <p:grpSpPr>
+        <a:xfrm>
+          <a:off x="0" y="0"/>
+          <a:ext cx="0" cy="0"/>
+          <a:chOff x="0" y="0"/>
+          <a:chExt cx="0" cy="0"/>
+        </a:xfrm>
+      </p:grpSpPr>
+      <p:sp>
+        <p:nvSpPr>
+          <p:cNvPr id="2" name="Slide Image Placeholder 1"/>
+          <p:cNvSpPr>
+            <a:spLocks noGrp="1" noRot="1" noChangeAspect="1"/>
+          </p:cNvSpPr>
+          <p:nvPr>
+            <p:ph type="sldImg"/>
+          </p:nvPr>
+        </p:nvSpPr>
+        <p:spPr/>
+      </p:sp>
+      <p:sp>
+        <p:nvSpPr>
+          <p:cNvPr id="3" name="Notes Placeholder 2"/>
+          <p:cNvSpPr>
+            <a:spLocks noGrp="1"/>
+          </p:cNvSpPr>
+          <p:nvPr>
+            <p:ph type="body" idx="1"/>
+          </p:nvPr>
+        </p:nvSpPr>
+        <p:spPr/>
+        <p:txBody>
+          <a:bodyPr/>
+          <a:lstStyle/>
+          <a:p>
+            <a:r>
+              <a:rPr lang="en-GB" dirty="0"/>
+              <a:t>Respondents are most likely to feel political commonality with those who share ethnicity</a:t>
+            </a:r>
+          </a:p>
+        </p:txBody>
+      </p:sp>
+      <p:sp>
+        <p:nvSpPr>
+          <p:cNvPr id="4" name="Slide Number Placeholder 3"/>
+          <p:cNvSpPr>
+            <a:spLocks noGrp="1"/>
+          </p:cNvSpPr>
+          <p:nvPr>
+            <p:ph type="sldNum" sz="quarter" idx="5"/>
+          </p:nvPr>
+        </p:nvSpPr>
+        <p:spPr/>
+        <p:txBody>
+          <a:bodyPr/>
+          <a:lstStyle/>
+          <a:p>
+            <a:fld id="{F265E688-6067-464E-855C-14FAB24CDA79}" type="slidenum">
+              <a:rPr lang="en-GB" smtClean="0"/>
+              <a:t>5</a:t>
+            </a:fld>
+            <a:endParaRPr lang="en-GB"/>
+          </a:p>
+        </p:txBody>
+      </p:sp>
+    </p:spTree>
+    <p:extLst>
+      <p:ext uri="{BB962C8B-B14F-4D97-AF65-F5344CB8AC3E}">
+        <p14:creationId xmlns:p14="http://schemas.microsoft.com/office/powerpoint/2010/main" val="3732344610"/>
+      </p:ext>
+    </p:extLst>
+  </p:cSld>
+  <p:clrMapOvr>
+    <a:masterClrMapping/>
+  </p:clrMapOvr>
+</p:notes>
+</file>
+
+<file path=ppt/notesSlides/notesSlide4.xml><?xml version="1.0" encoding="utf-8"?>
+<p:notes xmlns:a="http://schemas.openxmlformats.org/drawingml/2006/main" xmlns:r="http://schemas.openxmlformats.org/officeDocument/2006/relationships" xmlns:p="http://schemas.openxmlformats.org/presentationml/2006/main">
+  <p:cSld>
+    <p:spTree>
+      <p:nvGrpSpPr>
+        <p:cNvPr id="1" name=""/>
+        <p:cNvGrpSpPr/>
+        <p:nvPr/>
+      </p:nvGrpSpPr>
+      <p:grpSpPr>
+        <a:xfrm>
+          <a:off x="0" y="0"/>
+          <a:ext cx="0" cy="0"/>
+          <a:chOff x="0" y="0"/>
+          <a:chExt cx="0" cy="0"/>
+        </a:xfrm>
+      </p:grpSpPr>
+      <p:sp>
+        <p:nvSpPr>
+          <p:cNvPr id="2" name="Slide Image Placeholder 1"/>
+          <p:cNvSpPr>
+            <a:spLocks noGrp="1" noRot="1" noChangeAspect="1"/>
+          </p:cNvSpPr>
+          <p:nvPr>
+            <p:ph type="sldImg"/>
+          </p:nvPr>
+        </p:nvSpPr>
+        <p:spPr/>
+      </p:sp>
+      <p:sp>
+        <p:nvSpPr>
+          <p:cNvPr id="3" name="Notes Placeholder 2"/>
+          <p:cNvSpPr>
+            <a:spLocks noGrp="1"/>
+          </p:cNvSpPr>
+          <p:nvPr>
+            <p:ph type="body" idx="1"/>
+          </p:nvPr>
+        </p:nvSpPr>
+        <p:spPr/>
+        <p:txBody>
+          <a:bodyPr/>
+          <a:lstStyle/>
+          <a:p>
+            <a:r>
+              <a:rPr lang="en-GB" dirty="0"/>
+              <a:t>In this case, the </a:t>
+            </a:r>
+            <a:r>
+              <a:rPr lang="en-GB" dirty="0" err="1"/>
+              <a:t>Match.GenderA</a:t>
+            </a:r>
+            <a:r>
+              <a:rPr lang="en-GB" dirty="0"/>
+              <a:t> variable tells us that the gender of the respondent matches the gender in Profile A and </a:t>
+            </a:r>
+            <a:r>
+              <a:rPr lang="en-GB" dirty="0" err="1"/>
+              <a:t>choiceNFactor</a:t>
+            </a:r>
+            <a:r>
+              <a:rPr lang="en-GB" dirty="0"/>
+              <a:t> A just tells us if the respondent chose that profile or not</a:t>
+            </a:r>
+          </a:p>
+        </p:txBody>
+      </p:sp>
+      <p:sp>
+        <p:nvSpPr>
+          <p:cNvPr id="4" name="Slide Number Placeholder 3"/>
+          <p:cNvSpPr>
+            <a:spLocks noGrp="1"/>
+          </p:cNvSpPr>
+          <p:nvPr>
+            <p:ph type="sldNum" sz="quarter" idx="5"/>
+          </p:nvPr>
+        </p:nvSpPr>
+        <p:spPr/>
+        <p:txBody>
+          <a:bodyPr/>
+          <a:lstStyle/>
+          <a:p>
+            <a:fld id="{F265E688-6067-464E-855C-14FAB24CDA79}" type="slidenum">
+              <a:rPr lang="en-GB" smtClean="0"/>
+              <a:t>7</a:t>
+            </a:fld>
+            <a:endParaRPr lang="en-GB"/>
+          </a:p>
+        </p:txBody>
+      </p:sp>
+    </p:spTree>
+    <p:extLst>
+      <p:ext uri="{BB962C8B-B14F-4D97-AF65-F5344CB8AC3E}">
+        <p14:creationId xmlns:p14="http://schemas.microsoft.com/office/powerpoint/2010/main" val="374201633"/>
+      </p:ext>
+    </p:extLst>
+  </p:cSld>
+  <p:clrMapOvr>
+    <a:masterClrMapping/>
+  </p:clrMapOvr>
+</p:notes>
+</file>
+
 <file path=ppt/slideLayouts/slideLayout1.xml><?xml version="1.0" encoding="utf-8"?>
 <p:sldLayout xmlns:a="http://schemas.openxmlformats.org/drawingml/2006/main" xmlns:r="http://schemas.openxmlformats.org/officeDocument/2006/relationships" xmlns:p="http://schemas.openxmlformats.org/presentationml/2006/main" type="title" preserve="1">
   <p:cSld name="Title Slide">
@@ -364,7 +1116,7 @@
           <a:p>
             <a:fld id="{97D65C91-3047-4A69-A682-E8896D9C0BB7}" type="datetimeFigureOut">
               <a:rPr lang="en-GB" smtClean="0"/>
-              <a:t>31/03/2024</a:t>
+              <a:t>01/04/2024</a:t>
             </a:fld>
             <a:endParaRPr lang="en-GB"/>
           </a:p>
@@ -626,7 +1378,7 @@
           <a:p>
             <a:fld id="{97D65C91-3047-4A69-A682-E8896D9C0BB7}" type="datetimeFigureOut">
               <a:rPr lang="en-GB" smtClean="0"/>
-              <a:t>31/03/2024</a:t>
+              <a:t>01/04/2024</a:t>
             </a:fld>
             <a:endParaRPr lang="en-GB"/>
           </a:p>
@@ -861,7 +1613,7 @@
           <a:p>
             <a:fld id="{97D65C91-3047-4A69-A682-E8896D9C0BB7}" type="datetimeFigureOut">
               <a:rPr lang="en-GB" smtClean="0"/>
-              <a:t>31/03/2024</a:t>
+              <a:t>01/04/2024</a:t>
             </a:fld>
             <a:endParaRPr lang="en-GB"/>
           </a:p>
@@ -1101,7 +1853,7 @@
           <a:p>
             <a:fld id="{97D65C91-3047-4A69-A682-E8896D9C0BB7}" type="datetimeFigureOut">
               <a:rPr lang="en-GB" smtClean="0"/>
-              <a:t>31/03/2024</a:t>
+              <a:t>01/04/2024</a:t>
             </a:fld>
             <a:endParaRPr lang="en-GB"/>
           </a:p>
@@ -1408,7 +2160,7 @@
           <a:p>
             <a:fld id="{97D65C91-3047-4A69-A682-E8896D9C0BB7}" type="datetimeFigureOut">
               <a:rPr lang="en-GB" smtClean="0"/>
-              <a:t>31/03/2024</a:t>
+              <a:t>01/04/2024</a:t>
             </a:fld>
             <a:endParaRPr lang="en-GB"/>
           </a:p>
@@ -1710,7 +2462,7 @@
           <a:p>
             <a:fld id="{97D65C91-3047-4A69-A682-E8896D9C0BB7}" type="datetimeFigureOut">
               <a:rPr lang="en-GB" smtClean="0"/>
-              <a:t>31/03/2024</a:t>
+              <a:t>01/04/2024</a:t>
             </a:fld>
             <a:endParaRPr lang="en-GB"/>
           </a:p>
@@ -2132,7 +2884,7 @@
           <a:p>
             <a:fld id="{97D65C91-3047-4A69-A682-E8896D9C0BB7}" type="datetimeFigureOut">
               <a:rPr lang="en-GB" smtClean="0"/>
-              <a:t>31/03/2024</a:t>
+              <a:t>01/04/2024</a:t>
             </a:fld>
             <a:endParaRPr lang="en-GB"/>
           </a:p>
@@ -2294,7 +3046,7 @@
           <a:p>
             <a:fld id="{97D65C91-3047-4A69-A682-E8896D9C0BB7}" type="datetimeFigureOut">
               <a:rPr lang="en-GB" smtClean="0"/>
-              <a:t>31/03/2024</a:t>
+              <a:t>01/04/2024</a:t>
             </a:fld>
             <a:endParaRPr lang="en-GB"/>
           </a:p>
@@ -2389,7 +3141,7 @@
           <a:p>
             <a:fld id="{97D65C91-3047-4A69-A682-E8896D9C0BB7}" type="datetimeFigureOut">
               <a:rPr lang="en-GB" smtClean="0"/>
-              <a:t>31/03/2024</a:t>
+              <a:t>01/04/2024</a:t>
             </a:fld>
             <a:endParaRPr lang="en-GB"/>
           </a:p>
@@ -2767,7 +3519,7 @@
           <a:p>
             <a:fld id="{97D65C91-3047-4A69-A682-E8896D9C0BB7}" type="datetimeFigureOut">
               <a:rPr lang="en-GB" smtClean="0"/>
-              <a:t>31/03/2024</a:t>
+              <a:t>01/04/2024</a:t>
             </a:fld>
             <a:endParaRPr lang="en-GB"/>
           </a:p>
@@ -3056,7 +3808,7 @@
           <a:p>
             <a:fld id="{97D65C91-3047-4A69-A682-E8896D9C0BB7}" type="datetimeFigureOut">
               <a:rPr lang="en-GB" smtClean="0"/>
-              <a:t>31/03/2024</a:t>
+              <a:t>01/04/2024</a:t>
             </a:fld>
             <a:endParaRPr lang="en-GB"/>
           </a:p>
@@ -3267,7 +4019,7 @@
           <a:p>
             <a:fld id="{97D65C91-3047-4A69-A682-E8896D9C0BB7}" type="datetimeFigureOut">
               <a:rPr lang="en-GB" smtClean="0"/>
-              <a:t>31/03/2024</a:t>
+              <a:t>01/04/2024</a:t>
             </a:fld>
             <a:endParaRPr lang="en-GB"/>
           </a:p>
@@ -4022,6 +4774,358 @@
           <p:cNvPr id="2" name="Title 1">
             <a:extLst>
               <a:ext uri="{FF2B5EF4-FFF2-40B4-BE49-F238E27FC236}">
+                <a16:creationId xmlns:a16="http://schemas.microsoft.com/office/drawing/2014/main" id="{7B7841AB-46D0-E5F0-3936-99C0B2A13393}"/>
+              </a:ext>
+            </a:extLst>
+          </p:cNvPr>
+          <p:cNvSpPr>
+            <a:spLocks noGrp="1"/>
+          </p:cNvSpPr>
+          <p:nvPr>
+            <p:ph type="title"/>
+          </p:nvPr>
+        </p:nvSpPr>
+        <p:spPr/>
+        <p:txBody>
+          <a:bodyPr/>
+          <a:lstStyle/>
+          <a:p>
+            <a:r>
+              <a:rPr lang="en-GB" dirty="0"/>
+              <a:t>Original study</a:t>
+            </a:r>
+          </a:p>
+        </p:txBody>
+      </p:sp>
+      <p:sp>
+        <p:nvSpPr>
+          <p:cNvPr id="3" name="Content Placeholder 2">
+            <a:extLst>
+              <a:ext uri="{FF2B5EF4-FFF2-40B4-BE49-F238E27FC236}">
+                <a16:creationId xmlns:a16="http://schemas.microsoft.com/office/drawing/2014/main" id="{B6130FCC-842E-1F4D-B8F5-E6F81FAE0010}"/>
+              </a:ext>
+            </a:extLst>
+          </p:cNvPr>
+          <p:cNvSpPr>
+            <a:spLocks noGrp="1"/>
+          </p:cNvSpPr>
+          <p:nvPr>
+            <p:ph idx="1"/>
+          </p:nvPr>
+        </p:nvSpPr>
+        <p:spPr>
+          <a:xfrm>
+            <a:off x="443541" y="1986116"/>
+            <a:ext cx="11029615" cy="4265973"/>
+          </a:xfrm>
+        </p:spPr>
+        <p:txBody>
+          <a:bodyPr>
+            <a:noAutofit/>
+          </a:bodyPr>
+          <a:lstStyle/>
+          <a:p>
+            <a:pPr marL="0" indent="0">
+              <a:buNone/>
+            </a:pPr>
+            <a:endParaRPr lang="en-GB" sz="300" dirty="0">
+              <a:solidFill>
+                <a:schemeClr val="tx1"/>
+              </a:solidFill>
+              <a:latin typeface="Times New Roman" panose="02020603050405020304" pitchFamily="18" charset="0"/>
+              <a:cs typeface="Times New Roman" panose="02020603050405020304" pitchFamily="18" charset="0"/>
+            </a:endParaRPr>
+          </a:p>
+          <a:p>
+            <a:endParaRPr lang="en-GB" sz="300" dirty="0">
+              <a:solidFill>
+                <a:schemeClr val="tx1"/>
+              </a:solidFill>
+              <a:latin typeface="Times New Roman" panose="02020603050405020304" pitchFamily="18" charset="0"/>
+              <a:cs typeface="Times New Roman" panose="02020603050405020304" pitchFamily="18" charset="0"/>
+            </a:endParaRPr>
+          </a:p>
+          <a:p>
+            <a:pPr marL="0" indent="0">
+              <a:buNone/>
+            </a:pPr>
+            <a:endParaRPr lang="en-GB" sz="300" dirty="0">
+              <a:solidFill>
+                <a:schemeClr val="tx1"/>
+              </a:solidFill>
+              <a:latin typeface="Times New Roman" panose="02020603050405020304" pitchFamily="18" charset="0"/>
+              <a:cs typeface="Times New Roman" panose="02020603050405020304" pitchFamily="18" charset="0"/>
+            </a:endParaRPr>
+          </a:p>
+          <a:p>
+            <a:endParaRPr lang="en-GB" sz="300" dirty="0">
+              <a:solidFill>
+                <a:schemeClr val="tx1"/>
+              </a:solidFill>
+              <a:latin typeface="Times New Roman" panose="02020603050405020304" pitchFamily="18" charset="0"/>
+              <a:cs typeface="Times New Roman" panose="02020603050405020304" pitchFamily="18" charset="0"/>
+            </a:endParaRPr>
+          </a:p>
+          <a:p>
+            <a:pPr marL="0" indent="0">
+              <a:buNone/>
+            </a:pPr>
+            <a:endParaRPr lang="en-GB" sz="300" dirty="0">
+              <a:solidFill>
+                <a:schemeClr val="tx1"/>
+              </a:solidFill>
+              <a:latin typeface="Times New Roman" panose="02020603050405020304" pitchFamily="18" charset="0"/>
+              <a:cs typeface="Times New Roman" panose="02020603050405020304" pitchFamily="18" charset="0"/>
+            </a:endParaRPr>
+          </a:p>
+          <a:p>
+            <a:r>
+              <a:rPr lang="en-GB" dirty="0">
+                <a:solidFill>
+                  <a:schemeClr val="tx1"/>
+                </a:solidFill>
+                <a:latin typeface="Times New Roman" panose="02020603050405020304" pitchFamily="18" charset="0"/>
+                <a:cs typeface="Times New Roman" panose="02020603050405020304" pitchFamily="18" charset="0"/>
+              </a:rPr>
+              <a:t>Existing literature has focused largely on how demographic characteristics (Ethnicity,  Age) themselves explain vote choice</a:t>
+            </a:r>
+          </a:p>
+          <a:p>
+            <a:r>
+              <a:rPr lang="en-IN" sz="1800" b="0" i="0" u="none" strike="noStrike" dirty="0">
+                <a:solidFill>
+                  <a:srgbClr val="000000"/>
+                </a:solidFill>
+                <a:effectLst/>
+                <a:latin typeface="Times New Roman" panose="02020603050405020304" pitchFamily="18" charset="0"/>
+                <a:ea typeface="Tahoma" panose="020B0604030504040204" pitchFamily="34" charset="0"/>
+                <a:cs typeface="Times New Roman" panose="02020603050405020304" pitchFamily="18" charset="0"/>
+              </a:rPr>
+              <a:t>The author wants to determine </a:t>
+            </a:r>
+            <a:r>
+              <a:rPr lang="en-IN" sz="1800" b="1" i="0" u="none" strike="noStrike" dirty="0">
+                <a:solidFill>
+                  <a:srgbClr val="000000"/>
+                </a:solidFill>
+                <a:effectLst/>
+                <a:latin typeface="Times New Roman" panose="02020603050405020304" pitchFamily="18" charset="0"/>
+                <a:ea typeface="Tahoma" panose="020B0604030504040204" pitchFamily="34" charset="0"/>
+                <a:cs typeface="Times New Roman" panose="02020603050405020304" pitchFamily="18" charset="0"/>
+              </a:rPr>
+              <a:t>which social identities are more important for how people perceive political commonality between themselves and other citizens</a:t>
+            </a:r>
+            <a:endParaRPr lang="en-GB" dirty="0">
+              <a:solidFill>
+                <a:schemeClr val="tx1"/>
+              </a:solidFill>
+              <a:latin typeface="Times New Roman" panose="02020603050405020304" pitchFamily="18" charset="0"/>
+              <a:cs typeface="Times New Roman" panose="02020603050405020304" pitchFamily="18" charset="0"/>
+            </a:endParaRPr>
+          </a:p>
+          <a:p>
+            <a:pPr marL="0" indent="0">
+              <a:buNone/>
+            </a:pPr>
+            <a:r>
+              <a:rPr lang="en-GB" dirty="0">
+                <a:solidFill>
+                  <a:schemeClr val="tx1"/>
+                </a:solidFill>
+                <a:latin typeface="Times New Roman" panose="02020603050405020304" pitchFamily="18" charset="0"/>
+                <a:cs typeface="Times New Roman" panose="02020603050405020304" pitchFamily="18" charset="0"/>
+              </a:rPr>
+              <a:t>This study has 2 goals:</a:t>
+            </a:r>
+          </a:p>
+          <a:p>
+            <a:pPr marL="342900" indent="-342900">
+              <a:buAutoNum type="arabicParenR"/>
+            </a:pPr>
+            <a:r>
+              <a:rPr lang="en-GB" dirty="0">
+                <a:solidFill>
+                  <a:schemeClr val="tx1"/>
+                </a:solidFill>
+                <a:latin typeface="Times New Roman" panose="02020603050405020304" pitchFamily="18" charset="0"/>
+                <a:cs typeface="Times New Roman" panose="02020603050405020304" pitchFamily="18" charset="0"/>
+              </a:rPr>
+              <a:t>Expand this to understand which characteristics (Gender, ethnicity etc) have been politicized in the context of the United Kingdom</a:t>
+            </a:r>
+          </a:p>
+          <a:p>
+            <a:pPr marL="342900" indent="-342900">
+              <a:buAutoNum type="arabicParenR"/>
+            </a:pPr>
+            <a:r>
+              <a:rPr lang="en-IN" dirty="0">
+                <a:solidFill>
+                  <a:schemeClr val="tx1"/>
+                </a:solidFill>
+                <a:latin typeface="Times New Roman" panose="02020603050405020304" pitchFamily="18" charset="0"/>
+                <a:cs typeface="Times New Roman" panose="02020603050405020304" pitchFamily="18" charset="0"/>
+              </a:rPr>
+              <a:t>Checks if there is a pattern for which characteristics are valued by Labour vs Conservative and Remain vs Leave voters</a:t>
+            </a:r>
+          </a:p>
+          <a:p>
+            <a:r>
+              <a:rPr lang="en-GB" dirty="0">
+                <a:solidFill>
+                  <a:schemeClr val="tx1"/>
+                </a:solidFill>
+                <a:latin typeface="Times New Roman" panose="02020603050405020304" pitchFamily="18" charset="0"/>
+                <a:cs typeface="Times New Roman" panose="02020603050405020304" pitchFamily="18" charset="0"/>
+              </a:rPr>
+              <a:t>The original study does not explicitly state any hypotheses</a:t>
+            </a:r>
+          </a:p>
+          <a:p>
+            <a:r>
+              <a:rPr lang="en-IN" b="0" i="0" u="none" strike="noStrike" dirty="0">
+                <a:solidFill>
+                  <a:schemeClr val="tx1"/>
+                </a:solidFill>
+                <a:effectLst/>
+                <a:latin typeface="Times New Roman" panose="02020603050405020304" pitchFamily="18" charset="0"/>
+                <a:cs typeface="Times New Roman" panose="02020603050405020304" pitchFamily="18" charset="0"/>
+              </a:rPr>
+              <a:t>The goal of the study is to figure out the </a:t>
+            </a:r>
+            <a:r>
+              <a:rPr lang="en-IN" b="1" i="0" u="none" strike="noStrike" dirty="0">
+                <a:solidFill>
+                  <a:schemeClr val="tx1"/>
+                </a:solidFill>
+                <a:effectLst/>
+                <a:latin typeface="Times New Roman" panose="02020603050405020304" pitchFamily="18" charset="0"/>
+                <a:cs typeface="Times New Roman" panose="02020603050405020304" pitchFamily="18" charset="0"/>
+              </a:rPr>
+              <a:t>probability of a respondent choosing one profile </a:t>
+            </a:r>
+            <a:r>
+              <a:rPr lang="en-IN" b="0" i="0" u="none" strike="noStrike" dirty="0">
+                <a:solidFill>
+                  <a:schemeClr val="tx1"/>
+                </a:solidFill>
+                <a:effectLst/>
+                <a:latin typeface="Times New Roman" panose="02020603050405020304" pitchFamily="18" charset="0"/>
+                <a:cs typeface="Times New Roman" panose="02020603050405020304" pitchFamily="18" charset="0"/>
+              </a:rPr>
+              <a:t>if that </a:t>
+            </a:r>
+            <a:r>
+              <a:rPr lang="en-IN" b="1" i="0" u="none" strike="noStrike" dirty="0">
+                <a:solidFill>
+                  <a:schemeClr val="tx1"/>
+                </a:solidFill>
+                <a:effectLst/>
+                <a:latin typeface="Times New Roman" panose="02020603050405020304" pitchFamily="18" charset="0"/>
+                <a:cs typeface="Times New Roman" panose="02020603050405020304" pitchFamily="18" charset="0"/>
+              </a:rPr>
+              <a:t>profile shares an attribute with the respondent </a:t>
+            </a:r>
+            <a:r>
+              <a:rPr lang="en-IN" b="0" i="0" u="none" strike="noStrike" dirty="0">
+                <a:solidFill>
+                  <a:schemeClr val="tx1"/>
+                </a:solidFill>
+                <a:effectLst/>
+                <a:latin typeface="Times New Roman" panose="02020603050405020304" pitchFamily="18" charset="0"/>
+                <a:cs typeface="Times New Roman" panose="02020603050405020304" pitchFamily="18" charset="0"/>
+              </a:rPr>
+              <a:t>and the other alternative profile does not.</a:t>
+            </a:r>
+            <a:endParaRPr lang="en-GB" dirty="0">
+              <a:solidFill>
+                <a:schemeClr val="tx1"/>
+              </a:solidFill>
+              <a:latin typeface="Times New Roman" panose="02020603050405020304" pitchFamily="18" charset="0"/>
+              <a:cs typeface="Times New Roman" panose="02020603050405020304" pitchFamily="18" charset="0"/>
+            </a:endParaRPr>
+          </a:p>
+          <a:p>
+            <a:endParaRPr lang="en-GB" sz="1600" dirty="0">
+              <a:solidFill>
+                <a:schemeClr val="tx1"/>
+              </a:solidFill>
+              <a:latin typeface="Times New Roman" panose="02020603050405020304" pitchFamily="18" charset="0"/>
+              <a:cs typeface="Times New Roman" panose="02020603050405020304" pitchFamily="18" charset="0"/>
+            </a:endParaRPr>
+          </a:p>
+          <a:p>
+            <a:endParaRPr lang="en-GB" sz="1600" dirty="0">
+              <a:solidFill>
+                <a:schemeClr val="tx1"/>
+              </a:solidFill>
+              <a:latin typeface="Times New Roman" panose="02020603050405020304" pitchFamily="18" charset="0"/>
+              <a:cs typeface="Times New Roman" panose="02020603050405020304" pitchFamily="18" charset="0"/>
+            </a:endParaRPr>
+          </a:p>
+          <a:p>
+            <a:endParaRPr lang="en-GB" sz="300" dirty="0">
+              <a:solidFill>
+                <a:schemeClr val="tx1"/>
+              </a:solidFill>
+              <a:latin typeface="Times New Roman" panose="02020603050405020304" pitchFamily="18" charset="0"/>
+              <a:cs typeface="Times New Roman" panose="02020603050405020304" pitchFamily="18" charset="0"/>
+            </a:endParaRPr>
+          </a:p>
+          <a:p>
+            <a:endParaRPr lang="en-GB" sz="300" dirty="0">
+              <a:solidFill>
+                <a:schemeClr val="tx1"/>
+              </a:solidFill>
+              <a:latin typeface="Times New Roman" panose="02020603050405020304" pitchFamily="18" charset="0"/>
+              <a:cs typeface="Times New Roman" panose="02020603050405020304" pitchFamily="18" charset="0"/>
+            </a:endParaRPr>
+          </a:p>
+          <a:p>
+            <a:endParaRPr lang="en-GB" sz="300" dirty="0">
+              <a:solidFill>
+                <a:schemeClr val="tx1"/>
+              </a:solidFill>
+              <a:latin typeface="Times New Roman" panose="02020603050405020304" pitchFamily="18" charset="0"/>
+              <a:cs typeface="Times New Roman" panose="02020603050405020304" pitchFamily="18" charset="0"/>
+            </a:endParaRPr>
+          </a:p>
+        </p:txBody>
+      </p:sp>
+    </p:spTree>
+    <p:extLst>
+      <p:ext uri="{BB962C8B-B14F-4D97-AF65-F5344CB8AC3E}">
+        <p14:creationId xmlns:p14="http://schemas.microsoft.com/office/powerpoint/2010/main" val="3534508918"/>
+      </p:ext>
+    </p:extLst>
+  </p:cSld>
+  <p:clrMapOvr>
+    <a:masterClrMapping/>
+  </p:clrMapOvr>
+</p:sld>
+</file>
+
+<file path=ppt/slides/slide3.xml><?xml version="1.0" encoding="utf-8"?>
+<p:sld xmlns:a="http://schemas.openxmlformats.org/drawingml/2006/main" xmlns:r="http://schemas.openxmlformats.org/officeDocument/2006/relationships" xmlns:p="http://schemas.openxmlformats.org/presentationml/2006/main">
+  <p:cSld>
+    <p:spTree>
+      <p:nvGrpSpPr>
+        <p:cNvPr id="1" name=""/>
+        <p:cNvGrpSpPr/>
+        <p:nvPr/>
+      </p:nvGrpSpPr>
+      <p:grpSpPr>
+        <a:xfrm>
+          <a:off x="0" y="0"/>
+          <a:ext cx="0" cy="0"/>
+          <a:chOff x="0" y="0"/>
+          <a:chExt cx="0" cy="0"/>
+        </a:xfrm>
+      </p:grpSpPr>
+      <p:sp>
+        <p:nvSpPr>
+          <p:cNvPr id="2" name="Title 1">
+            <a:extLst>
+              <a:ext uri="{FF2B5EF4-FFF2-40B4-BE49-F238E27FC236}">
                 <a16:creationId xmlns:a16="http://schemas.microsoft.com/office/drawing/2014/main" id="{21272D5C-717F-A177-C076-643D61B70CDE}"/>
               </a:ext>
             </a:extLst>
@@ -4069,18 +5173,21 @@
         </p:spPr>
         <p:txBody>
           <a:bodyPr>
-            <a:normAutofit lnSpcReduction="10000"/>
+            <a:normAutofit/>
           </a:bodyPr>
           <a:lstStyle/>
           <a:p>
-            <a:pPr rtl="0">
-              <a:spcBef>
-                <a:spcPts val="0"/>
-              </a:spcBef>
-              <a:spcAft>
-                <a:spcPts val="0"/>
-              </a:spcAft>
-            </a:pPr>
+            <a:r>
+              <a:rPr lang="en-IN" sz="1900" dirty="0">
+                <a:solidFill>
+                  <a:srgbClr val="000000"/>
+                </a:solidFill>
+                <a:latin typeface="Times New Roman" panose="02020603050405020304" pitchFamily="18" charset="0"/>
+                <a:ea typeface="Tahoma" panose="020B0604030504040204" pitchFamily="34" charset="0"/>
+                <a:cs typeface="Times New Roman" panose="02020603050405020304" pitchFamily="18" charset="0"/>
+              </a:rPr>
+              <a:t>R</a:t>
+            </a:r>
             <a:r>
               <a:rPr lang="en-IN" sz="1900" b="0" i="0" u="none" strike="noStrike" dirty="0">
                 <a:solidFill>
@@ -4091,50 +5198,7 @@
                 <a:ea typeface="Tahoma" panose="020B0604030504040204" pitchFamily="34" charset="0"/>
                 <a:cs typeface="Times New Roman" panose="02020603050405020304" pitchFamily="18" charset="0"/>
               </a:rPr>
-              <a:t>The author wants to determine </a:t>
-            </a:r>
-            <a:r>
-              <a:rPr lang="en-IN" sz="1900" b="1" i="0" u="none" strike="noStrike" dirty="0">
-                <a:solidFill>
-                  <a:srgbClr val="000000"/>
-                </a:solidFill>
-                <a:effectLst/>
-                <a:latin typeface="Times New Roman" panose="02020603050405020304" pitchFamily="18" charset="0"/>
-                <a:ea typeface="Tahoma" panose="020B0604030504040204" pitchFamily="34" charset="0"/>
-                <a:cs typeface="Times New Roman" panose="02020603050405020304" pitchFamily="18" charset="0"/>
-              </a:rPr>
-              <a:t>which social identities are more important for how people perceive political commonality between themselves and other citizens</a:t>
-            </a:r>
-            <a:endParaRPr lang="en-IN" sz="1900" b="0" dirty="0">
-              <a:effectLst/>
-              <a:latin typeface="Times New Roman" panose="02020603050405020304" pitchFamily="18" charset="0"/>
-              <a:ea typeface="Tahoma" panose="020B0604030504040204" pitchFamily="34" charset="0"/>
-              <a:cs typeface="Times New Roman" panose="02020603050405020304" pitchFamily="18" charset="0"/>
-            </a:endParaRPr>
-          </a:p>
-          <a:p>
-            <a:r>
-              <a:rPr lang="en-IN" sz="1900" dirty="0">
-                <a:solidFill>
-                  <a:srgbClr val="000000"/>
-                </a:solidFill>
-                <a:latin typeface="Times New Roman" panose="02020603050405020304" pitchFamily="18" charset="0"/>
-                <a:ea typeface="Tahoma" panose="020B0604030504040204" pitchFamily="34" charset="0"/>
-                <a:cs typeface="Times New Roman" panose="02020603050405020304" pitchFamily="18" charset="0"/>
-              </a:rPr>
-              <a:t>R</a:t>
-            </a:r>
-            <a:r>
-              <a:rPr lang="en-IN" sz="1900" b="0" i="0" u="none" strike="noStrike" dirty="0">
-                <a:solidFill>
-                  <a:srgbClr val="000000"/>
-                </a:solidFill>
-                <a:effectLst/>
-                <a:latin typeface="Times New Roman" panose="02020603050405020304" pitchFamily="18" charset="0"/>
-                <a:ea typeface="Tahoma" panose="020B0604030504040204" pitchFamily="34" charset="0"/>
-                <a:cs typeface="Times New Roman" panose="02020603050405020304" pitchFamily="18" charset="0"/>
-              </a:rPr>
-              <a:t>espondents are presented with the profiles of two fellow citizens, including several demographic attributes.</a:t>
+              <a:t>espondents are presented with the profiles of two citizens, including several demographic attributes.</a:t>
             </a:r>
           </a:p>
           <a:p>
@@ -4194,7 +5258,7 @@
         </p:blipFill>
         <p:spPr bwMode="auto">
           <a:xfrm>
-            <a:off x="5660922" y="982832"/>
+            <a:off x="5454445" y="982832"/>
             <a:ext cx="6255774" cy="4892336"/>
           </a:xfrm>
           <a:prstGeom prst="rect">
@@ -4216,369 +5280,6 @@
     <p:extLst>
       <p:ext uri="{BB962C8B-B14F-4D97-AF65-F5344CB8AC3E}">
         <p14:creationId xmlns:p14="http://schemas.microsoft.com/office/powerpoint/2010/main" val="1526953237"/>
-      </p:ext>
-    </p:extLst>
-  </p:cSld>
-  <p:clrMapOvr>
-    <a:masterClrMapping/>
-  </p:clrMapOvr>
-</p:sld>
-</file>
-
-<file path=ppt/slides/slide3.xml><?xml version="1.0" encoding="utf-8"?>
-<p:sld xmlns:a="http://schemas.openxmlformats.org/drawingml/2006/main" xmlns:r="http://schemas.openxmlformats.org/officeDocument/2006/relationships" xmlns:p="http://schemas.openxmlformats.org/presentationml/2006/main">
-  <p:cSld>
-    <p:spTree>
-      <p:nvGrpSpPr>
-        <p:cNvPr id="1" name=""/>
-        <p:cNvGrpSpPr/>
-        <p:nvPr/>
-      </p:nvGrpSpPr>
-      <p:grpSpPr>
-        <a:xfrm>
-          <a:off x="0" y="0"/>
-          <a:ext cx="0" cy="0"/>
-          <a:chOff x="0" y="0"/>
-          <a:chExt cx="0" cy="0"/>
-        </a:xfrm>
-      </p:grpSpPr>
-      <p:sp>
-        <p:nvSpPr>
-          <p:cNvPr id="2" name="Title 1">
-            <a:extLst>
-              <a:ext uri="{FF2B5EF4-FFF2-40B4-BE49-F238E27FC236}">
-                <a16:creationId xmlns:a16="http://schemas.microsoft.com/office/drawing/2014/main" id="{7B7841AB-46D0-E5F0-3936-99C0B2A13393}"/>
-              </a:ext>
-            </a:extLst>
-          </p:cNvPr>
-          <p:cNvSpPr>
-            <a:spLocks noGrp="1"/>
-          </p:cNvSpPr>
-          <p:nvPr>
-            <p:ph type="title"/>
-          </p:nvPr>
-        </p:nvSpPr>
-        <p:spPr/>
-        <p:txBody>
-          <a:bodyPr/>
-          <a:lstStyle/>
-          <a:p>
-            <a:r>
-              <a:rPr lang="en-GB" dirty="0"/>
-              <a:t>Original study</a:t>
-            </a:r>
-          </a:p>
-        </p:txBody>
-      </p:sp>
-      <p:sp>
-        <p:nvSpPr>
-          <p:cNvPr id="3" name="Content Placeholder 2">
-            <a:extLst>
-              <a:ext uri="{FF2B5EF4-FFF2-40B4-BE49-F238E27FC236}">
-                <a16:creationId xmlns:a16="http://schemas.microsoft.com/office/drawing/2014/main" id="{B6130FCC-842E-1F4D-B8F5-E6F81FAE0010}"/>
-              </a:ext>
-            </a:extLst>
-          </p:cNvPr>
-          <p:cNvSpPr>
-            <a:spLocks noGrp="1"/>
-          </p:cNvSpPr>
-          <p:nvPr>
-            <p:ph idx="1"/>
-          </p:nvPr>
-        </p:nvSpPr>
-        <p:spPr>
-          <a:xfrm>
-            <a:off x="443541" y="2281084"/>
-            <a:ext cx="11029615" cy="4265973"/>
-          </a:xfrm>
-        </p:spPr>
-        <p:txBody>
-          <a:bodyPr>
-            <a:noAutofit/>
-          </a:bodyPr>
-          <a:lstStyle/>
-          <a:p>
-            <a:pPr marL="0" indent="0">
-              <a:buNone/>
-            </a:pPr>
-            <a:endParaRPr lang="en-GB" sz="300" dirty="0">
-              <a:latin typeface="Times New Roman" panose="02020603050405020304" pitchFamily="18" charset="0"/>
-              <a:cs typeface="Times New Roman" panose="02020603050405020304" pitchFamily="18" charset="0"/>
-            </a:endParaRPr>
-          </a:p>
-          <a:p>
-            <a:endParaRPr lang="en-GB" sz="300" dirty="0">
-              <a:latin typeface="Times New Roman" panose="02020603050405020304" pitchFamily="18" charset="0"/>
-              <a:cs typeface="Times New Roman" panose="02020603050405020304" pitchFamily="18" charset="0"/>
-            </a:endParaRPr>
-          </a:p>
-          <a:p>
-            <a:pPr marL="0" indent="0">
-              <a:buNone/>
-            </a:pPr>
-            <a:endParaRPr lang="en-GB" sz="300" dirty="0">
-              <a:latin typeface="Times New Roman" panose="02020603050405020304" pitchFamily="18" charset="0"/>
-              <a:cs typeface="Times New Roman" panose="02020603050405020304" pitchFamily="18" charset="0"/>
-            </a:endParaRPr>
-          </a:p>
-          <a:p>
-            <a:endParaRPr lang="en-GB" sz="300" dirty="0">
-              <a:latin typeface="Times New Roman" panose="02020603050405020304" pitchFamily="18" charset="0"/>
-              <a:cs typeface="Times New Roman" panose="02020603050405020304" pitchFamily="18" charset="0"/>
-            </a:endParaRPr>
-          </a:p>
-          <a:p>
-            <a:pPr marL="0" indent="0">
-              <a:buNone/>
-            </a:pPr>
-            <a:endParaRPr lang="en-GB" sz="300" dirty="0">
-              <a:latin typeface="Times New Roman" panose="02020603050405020304" pitchFamily="18" charset="0"/>
-              <a:cs typeface="Times New Roman" panose="02020603050405020304" pitchFamily="18" charset="0"/>
-            </a:endParaRPr>
-          </a:p>
-          <a:p>
-            <a:r>
-              <a:rPr lang="en-GB" dirty="0">
-                <a:latin typeface="Times New Roman" panose="02020603050405020304" pitchFamily="18" charset="0"/>
-                <a:cs typeface="Times New Roman" panose="02020603050405020304" pitchFamily="18" charset="0"/>
-              </a:rPr>
-              <a:t>Existing literature has focused largely on how demographic characteristics (Ethnicity,  Age) themselves explain vote choice</a:t>
-            </a:r>
-          </a:p>
-          <a:p>
-            <a:r>
-              <a:rPr lang="en-GB" dirty="0">
-                <a:latin typeface="Times New Roman" panose="02020603050405020304" pitchFamily="18" charset="0"/>
-                <a:cs typeface="Times New Roman" panose="02020603050405020304" pitchFamily="18" charset="0"/>
-              </a:rPr>
-              <a:t>The author suggests </a:t>
-            </a:r>
-            <a:r>
-              <a:rPr lang="en-IN" dirty="0">
-                <a:latin typeface="Times New Roman" panose="02020603050405020304" pitchFamily="18" charset="0"/>
-                <a:cs typeface="Times New Roman" panose="02020603050405020304" pitchFamily="18" charset="0"/>
-              </a:rPr>
-              <a:t>analysing the associations between demographic groups and voting does not reveal the relative importance of the corresponding social identities to politics</a:t>
-            </a:r>
-            <a:endParaRPr lang="en-GB" dirty="0">
-              <a:latin typeface="Times New Roman" panose="02020603050405020304" pitchFamily="18" charset="0"/>
-              <a:cs typeface="Times New Roman" panose="02020603050405020304" pitchFamily="18" charset="0"/>
-            </a:endParaRPr>
-          </a:p>
-          <a:p>
-            <a:r>
-              <a:rPr lang="en-GB" dirty="0">
-                <a:latin typeface="Times New Roman" panose="02020603050405020304" pitchFamily="18" charset="0"/>
-                <a:cs typeface="Times New Roman" panose="02020603050405020304" pitchFamily="18" charset="0"/>
-              </a:rPr>
-              <a:t>Hence, </a:t>
-            </a:r>
-            <a:r>
-              <a:rPr lang="en-GB" dirty="0" err="1">
-                <a:latin typeface="Times New Roman" panose="02020603050405020304" pitchFamily="18" charset="0"/>
-                <a:cs typeface="Times New Roman" panose="02020603050405020304" pitchFamily="18" charset="0"/>
-              </a:rPr>
-              <a:t>Titelman</a:t>
-            </a:r>
-            <a:r>
-              <a:rPr lang="en-GB" dirty="0">
-                <a:latin typeface="Times New Roman" panose="02020603050405020304" pitchFamily="18" charset="0"/>
-                <a:cs typeface="Times New Roman" panose="02020603050405020304" pitchFamily="18" charset="0"/>
-              </a:rPr>
-              <a:t> hopes to understand which characteristics (Gender, ethnicity etc) are more important for people to feel a sense of political commonality with others</a:t>
-            </a:r>
-          </a:p>
-          <a:p>
-            <a:r>
-              <a:rPr lang="en-IN" dirty="0">
-                <a:latin typeface="Times New Roman" panose="02020603050405020304" pitchFamily="18" charset="0"/>
-                <a:cs typeface="Times New Roman" panose="02020603050405020304" pitchFamily="18" charset="0"/>
-              </a:rPr>
-              <a:t>By using a novel measurement strategy, they compare the </a:t>
-            </a:r>
-            <a:r>
-              <a:rPr lang="en-IN" b="1" dirty="0">
-                <a:latin typeface="Times New Roman" panose="02020603050405020304" pitchFamily="18" charset="0"/>
-                <a:cs typeface="Times New Roman" panose="02020603050405020304" pitchFamily="18" charset="0"/>
-              </a:rPr>
-              <a:t>relative strength of different social identities </a:t>
-            </a:r>
-            <a:r>
-              <a:rPr lang="en-IN" dirty="0">
-                <a:latin typeface="Times New Roman" panose="02020603050405020304" pitchFamily="18" charset="0"/>
-                <a:cs typeface="Times New Roman" panose="02020603050405020304" pitchFamily="18" charset="0"/>
-              </a:rPr>
-              <a:t>in the population from the perspective of </a:t>
-            </a:r>
-            <a:r>
-              <a:rPr lang="en-IN" b="1" dirty="0">
-                <a:latin typeface="Times New Roman" panose="02020603050405020304" pitchFamily="18" charset="0"/>
-                <a:cs typeface="Times New Roman" panose="02020603050405020304" pitchFamily="18" charset="0"/>
-              </a:rPr>
-              <a:t>how citizens perceive one another politically</a:t>
-            </a:r>
-            <a:r>
-              <a:rPr lang="en-IN" dirty="0">
-                <a:latin typeface="Times New Roman" panose="02020603050405020304" pitchFamily="18" charset="0"/>
-                <a:cs typeface="Times New Roman" panose="02020603050405020304" pitchFamily="18" charset="0"/>
-              </a:rPr>
-              <a:t>, rather than from their tendency to vote together. </a:t>
-            </a:r>
-            <a:endParaRPr lang="en-GB" dirty="0">
-              <a:latin typeface="Times New Roman" panose="02020603050405020304" pitchFamily="18" charset="0"/>
-              <a:cs typeface="Times New Roman" panose="02020603050405020304" pitchFamily="18" charset="0"/>
-            </a:endParaRPr>
-          </a:p>
-          <a:p>
-            <a:r>
-              <a:rPr lang="en-GB" dirty="0">
-                <a:latin typeface="Times New Roman" panose="02020603050405020304" pitchFamily="18" charset="0"/>
-                <a:cs typeface="Times New Roman" panose="02020603050405020304" pitchFamily="18" charset="0"/>
-              </a:rPr>
-              <a:t>The original study does not explicitly state any hypotheses</a:t>
-            </a:r>
-          </a:p>
-          <a:p>
-            <a:r>
-              <a:rPr lang="en-IN" b="0" i="0" u="none" strike="noStrike" dirty="0">
-                <a:solidFill>
-                  <a:srgbClr val="000000"/>
-                </a:solidFill>
-                <a:effectLst/>
-                <a:latin typeface="Times New Roman" panose="02020603050405020304" pitchFamily="18" charset="0"/>
-                <a:cs typeface="Times New Roman" panose="02020603050405020304" pitchFamily="18" charset="0"/>
-              </a:rPr>
-              <a:t>To </a:t>
-            </a:r>
-            <a:r>
-              <a:rPr lang="en-IN" b="0" i="0" u="none" strike="noStrike" dirty="0" err="1">
-                <a:solidFill>
-                  <a:srgbClr val="000000"/>
-                </a:solidFill>
-                <a:effectLst/>
-                <a:latin typeface="Times New Roman" panose="02020603050405020304" pitchFamily="18" charset="0"/>
-                <a:cs typeface="Times New Roman" panose="02020603050405020304" pitchFamily="18" charset="0"/>
-              </a:rPr>
-              <a:t>analyze</a:t>
-            </a:r>
-            <a:r>
-              <a:rPr lang="en-IN" b="0" i="0" u="none" strike="noStrike" dirty="0">
-                <a:solidFill>
-                  <a:srgbClr val="000000"/>
-                </a:solidFill>
-                <a:effectLst/>
-                <a:latin typeface="Times New Roman" panose="02020603050405020304" pitchFamily="18" charset="0"/>
-                <a:cs typeface="Times New Roman" panose="02020603050405020304" pitchFamily="18" charset="0"/>
-              </a:rPr>
-              <a:t> the results of the experiment, </a:t>
-            </a:r>
-            <a:r>
-              <a:rPr lang="en-IN" b="1" i="0" u="none" strike="noStrike" dirty="0">
-                <a:solidFill>
-                  <a:srgbClr val="000000"/>
-                </a:solidFill>
-                <a:effectLst/>
-                <a:latin typeface="Times New Roman" panose="02020603050405020304" pitchFamily="18" charset="0"/>
-                <a:cs typeface="Times New Roman" panose="02020603050405020304" pitchFamily="18" charset="0"/>
-              </a:rPr>
-              <a:t>information on the respondents’ self-categorization </a:t>
-            </a:r>
-            <a:r>
-              <a:rPr lang="en-IN" b="0" i="0" u="none" strike="noStrike" dirty="0">
-                <a:solidFill>
-                  <a:srgbClr val="000000"/>
-                </a:solidFill>
-                <a:effectLst/>
-                <a:latin typeface="Times New Roman" panose="02020603050405020304" pitchFamily="18" charset="0"/>
-                <a:cs typeface="Times New Roman" panose="02020603050405020304" pitchFamily="18" charset="0"/>
-              </a:rPr>
-              <a:t>is combined with that of the profiles presented to them and their choices. The analysis seeks to assess the </a:t>
-            </a:r>
-            <a:r>
-              <a:rPr lang="en-IN" b="1" i="0" u="none" strike="noStrike" dirty="0">
-                <a:solidFill>
-                  <a:srgbClr val="000000"/>
-                </a:solidFill>
-                <a:effectLst/>
-                <a:latin typeface="Times New Roman" panose="02020603050405020304" pitchFamily="18" charset="0"/>
-                <a:cs typeface="Times New Roman" panose="02020603050405020304" pitchFamily="18" charset="0"/>
-              </a:rPr>
-              <a:t>probability of a respondent choosing one profile </a:t>
-            </a:r>
-            <a:r>
-              <a:rPr lang="en-IN" b="0" i="0" u="none" strike="noStrike" dirty="0">
-                <a:solidFill>
-                  <a:srgbClr val="000000"/>
-                </a:solidFill>
-                <a:effectLst/>
-                <a:latin typeface="Times New Roman" panose="02020603050405020304" pitchFamily="18" charset="0"/>
-                <a:cs typeface="Times New Roman" panose="02020603050405020304" pitchFamily="18" charset="0"/>
-              </a:rPr>
-              <a:t>if that </a:t>
-            </a:r>
-            <a:r>
-              <a:rPr lang="en-IN" b="1" i="0" u="none" strike="noStrike" dirty="0">
-                <a:solidFill>
-                  <a:srgbClr val="000000"/>
-                </a:solidFill>
-                <a:effectLst/>
-                <a:latin typeface="Times New Roman" panose="02020603050405020304" pitchFamily="18" charset="0"/>
-                <a:cs typeface="Times New Roman" panose="02020603050405020304" pitchFamily="18" charset="0"/>
-              </a:rPr>
-              <a:t>profile shares an attribute with the respondent </a:t>
-            </a:r>
-            <a:r>
-              <a:rPr lang="en-IN" b="0" i="0" u="none" strike="noStrike" dirty="0">
-                <a:solidFill>
-                  <a:srgbClr val="000000"/>
-                </a:solidFill>
-                <a:effectLst/>
-                <a:latin typeface="Times New Roman" panose="02020603050405020304" pitchFamily="18" charset="0"/>
-                <a:cs typeface="Times New Roman" panose="02020603050405020304" pitchFamily="18" charset="0"/>
-              </a:rPr>
-              <a:t>and the other alternative profile does not.</a:t>
-            </a:r>
-            <a:endParaRPr lang="en-GB" dirty="0">
-              <a:latin typeface="Times New Roman" panose="02020603050405020304" pitchFamily="18" charset="0"/>
-              <a:cs typeface="Times New Roman" panose="02020603050405020304" pitchFamily="18" charset="0"/>
-            </a:endParaRPr>
-          </a:p>
-          <a:p>
-            <a:endParaRPr lang="en-GB" sz="1600" dirty="0">
-              <a:latin typeface="Times New Roman" panose="02020603050405020304" pitchFamily="18" charset="0"/>
-              <a:cs typeface="Times New Roman" panose="02020603050405020304" pitchFamily="18" charset="0"/>
-            </a:endParaRPr>
-          </a:p>
-          <a:p>
-            <a:endParaRPr lang="en-GB" sz="1600" dirty="0">
-              <a:latin typeface="Times New Roman" panose="02020603050405020304" pitchFamily="18" charset="0"/>
-              <a:cs typeface="Times New Roman" panose="02020603050405020304" pitchFamily="18" charset="0"/>
-            </a:endParaRPr>
-          </a:p>
-          <a:p>
-            <a:endParaRPr lang="en-GB" sz="300" dirty="0">
-              <a:latin typeface="Times New Roman" panose="02020603050405020304" pitchFamily="18" charset="0"/>
-              <a:cs typeface="Times New Roman" panose="02020603050405020304" pitchFamily="18" charset="0"/>
-            </a:endParaRPr>
-          </a:p>
-          <a:p>
-            <a:endParaRPr lang="en-GB" sz="300" dirty="0">
-              <a:latin typeface="Times New Roman" panose="02020603050405020304" pitchFamily="18" charset="0"/>
-              <a:cs typeface="Times New Roman" panose="02020603050405020304" pitchFamily="18" charset="0"/>
-            </a:endParaRPr>
-          </a:p>
-          <a:p>
-            <a:endParaRPr lang="en-GB" sz="300" dirty="0">
-              <a:latin typeface="Times New Roman" panose="02020603050405020304" pitchFamily="18" charset="0"/>
-              <a:cs typeface="Times New Roman" panose="02020603050405020304" pitchFamily="18" charset="0"/>
-            </a:endParaRPr>
-          </a:p>
-        </p:txBody>
-      </p:sp>
-    </p:spTree>
-    <p:extLst>
-      <p:ext uri="{BB962C8B-B14F-4D97-AF65-F5344CB8AC3E}">
-        <p14:creationId xmlns:p14="http://schemas.microsoft.com/office/powerpoint/2010/main" val="3534508918"/>
       </p:ext>
     </p:extLst>
   </p:cSld>
@@ -4657,12 +5358,12 @@
         </p:spPr>
         <p:txBody>
           <a:bodyPr>
-            <a:normAutofit/>
+            <a:normAutofit lnSpcReduction="10000"/>
           </a:bodyPr>
           <a:lstStyle/>
           <a:p>
             <a:r>
-              <a:rPr lang="en-GB" dirty="0">
+              <a:rPr lang="en-GB" sz="2000" dirty="0">
                 <a:solidFill>
                   <a:schemeClr val="tx1"/>
                 </a:solidFill>
@@ -4677,7 +5378,7 @@
               <a:buNone/>
             </a:pPr>
             <a:r>
-              <a:rPr lang="en-GB" dirty="0">
+              <a:rPr lang="en-GB" sz="2000" dirty="0">
                 <a:solidFill>
                   <a:schemeClr val="tx1"/>
                 </a:solidFill>
@@ -4689,7 +5390,7 @@
           </a:p>
           <a:p>
             <a:r>
-              <a:rPr lang="en-GB" dirty="0">
+              <a:rPr lang="en-GB" sz="2000" dirty="0">
                 <a:solidFill>
                   <a:schemeClr val="tx1"/>
                 </a:solidFill>
@@ -4701,7 +5402,7 @@
           </a:p>
           <a:p>
             <a:r>
-              <a:rPr lang="en-GB" dirty="0">
+              <a:rPr lang="en-GB" sz="2000" dirty="0">
                 <a:solidFill>
                   <a:schemeClr val="tx1"/>
                 </a:solidFill>
@@ -4713,7 +5414,7 @@
           </a:p>
           <a:p>
             <a:r>
-              <a:rPr lang="en-GB" dirty="0">
+              <a:rPr lang="en-GB" sz="2000" dirty="0">
                 <a:solidFill>
                   <a:schemeClr val="tx1"/>
                 </a:solidFill>
@@ -4740,7 +5441,7 @@
           <p:nvPr/>
         </p:nvPicPr>
         <p:blipFill>
-          <a:blip r:embed="rId2"/>
+          <a:blip r:embed="rId3"/>
           <a:stretch>
             <a:fillRect/>
           </a:stretch>
@@ -4770,7 +5471,7 @@
           <p:nvPr/>
         </p:nvPicPr>
         <p:blipFill>
-          <a:blip r:embed="rId3"/>
+          <a:blip r:embed="rId4"/>
           <a:stretch>
             <a:fillRect/>
           </a:stretch>
@@ -5031,7 +5732,21 @@
                 <a:latin typeface="Times New Roman" panose="02020603050405020304" pitchFamily="18" charset="0"/>
                 <a:cs typeface="Times New Roman" panose="02020603050405020304" pitchFamily="18" charset="0"/>
               </a:rPr>
-              <a:t>Outcome variable: Respondents’ choice of profile</a:t>
+              <a:t>Outcome variable: </a:t>
+            </a:r>
+            <a:r>
+              <a:rPr lang="en-GB" dirty="0" err="1">
+                <a:latin typeface="Times New Roman" panose="02020603050405020304" pitchFamily="18" charset="0"/>
+                <a:cs typeface="Times New Roman" panose="02020603050405020304" pitchFamily="18" charset="0"/>
+              </a:rPr>
+              <a:t>ChoiceNFactor</a:t>
+            </a:r>
+            <a:r>
+              <a:rPr lang="en-GB" dirty="0">
+                <a:latin typeface="Times New Roman" panose="02020603050405020304" pitchFamily="18" charset="0"/>
+                <a:cs typeface="Times New Roman" panose="02020603050405020304" pitchFamily="18" charset="0"/>
+              </a:rPr>
+              <a:t> (Respondents’ choice of profile)</a:t>
             </a:r>
           </a:p>
           <a:p>
@@ -5203,15 +5918,6 @@
               <a:cs typeface="Times New Roman" panose="02020603050405020304" pitchFamily="18" charset="0"/>
             </a:endParaRPr>
           </a:p>
-          <a:p>
-            <a:r>
-              <a:rPr lang="en-GB" dirty="0">
-                <a:latin typeface="Times New Roman" panose="02020603050405020304" pitchFamily="18" charset="0"/>
-                <a:cs typeface="Times New Roman" panose="02020603050405020304" pitchFamily="18" charset="0"/>
-              </a:rPr>
-              <a:t>This model is hard to interpret intuitively in the manner that we have learned in this class</a:t>
-            </a:r>
-          </a:p>
         </p:txBody>
       </p:sp>
       <p:pic>
@@ -5229,7 +5935,7 @@
           <p:nvPr/>
         </p:nvPicPr>
         <p:blipFill>
-          <a:blip r:embed="rId2"/>
+          <a:blip r:embed="rId3"/>
           <a:stretch>
             <a:fillRect/>
           </a:stretch>
@@ -5614,8 +6320,8 @@
         </p:nvSpPr>
         <p:spPr>
           <a:xfrm>
-            <a:off x="581193" y="2180496"/>
-            <a:ext cx="4669234" cy="3640201"/>
+            <a:off x="581192" y="2180496"/>
+            <a:ext cx="5023095" cy="3975348"/>
           </a:xfrm>
         </p:spPr>
         <p:txBody>
@@ -5659,7 +6365,7 @@
                 <a:latin typeface="Times New Roman" panose="02020603050405020304" pitchFamily="18" charset="0"/>
                 <a:cs typeface="Times New Roman" panose="02020603050405020304" pitchFamily="18" charset="0"/>
               </a:rPr>
-              <a:t>This scale makes the findings hard to interpret</a:t>
+              <a:t>This model is hard to interpret intuitively in the manner that we have learned in this class</a:t>
             </a:r>
           </a:p>
           <a:p>
@@ -5686,7 +6392,7 @@
                 <a:latin typeface="Times New Roman" panose="02020603050405020304" pitchFamily="18" charset="0"/>
                 <a:cs typeface="Times New Roman" panose="02020603050405020304" pitchFamily="18" charset="0"/>
               </a:rPr>
-              <a:t>C</a:t>
+              <a:t>For a 1 unit increase in Gender (going from Gender of respondent matches in Profile B to no match/both match)</a:t>
             </a:r>
             <a:r>
               <a:rPr lang="en-IN" b="0" i="0" dirty="0">
@@ -5697,20 +6403,10 @@
                 <a:latin typeface="Times New Roman" panose="02020603050405020304" pitchFamily="18" charset="0"/>
                 <a:cs typeface="Times New Roman" panose="02020603050405020304" pitchFamily="18" charset="0"/>
               </a:rPr>
-              <a:t>ompared to the reference category (-1), for each unit increase in x, the odds of moving to a higher category increase by a multiplicative factor of </a:t>
-            </a:r>
-            <a:r>
-              <a:rPr lang="en-GB" dirty="0">
-                <a:solidFill>
-                  <a:schemeClr val="tx1"/>
-                </a:solidFill>
-                <a:latin typeface="Times New Roman" panose="02020603050405020304" pitchFamily="18" charset="0"/>
-                <a:cs typeface="Times New Roman" panose="02020603050405020304" pitchFamily="18" charset="0"/>
-              </a:rPr>
-              <a:t>exp(</a:t>
-            </a:r>
-            <a:r>
-              <a:rPr lang="de-DE" sz="1800" b="0" i="0" u="none" strike="noStrike" dirty="0">
+              <a:t>, the odds of moving to a higher category on the </a:t>
+            </a:r>
+            <a:r>
+              <a:rPr lang="en-IN" b="0" i="0" dirty="0" err="1">
                 <a:solidFill>
                   <a:schemeClr val="tx1"/>
                 </a:solidFill>
@@ -5718,7 +6414,29 @@
                 <a:latin typeface="Times New Roman" panose="02020603050405020304" pitchFamily="18" charset="0"/>
                 <a:cs typeface="Times New Roman" panose="02020603050405020304" pitchFamily="18" charset="0"/>
               </a:rPr>
-              <a:t>𝜷1)</a:t>
+              <a:t>ChoiceNFactor</a:t>
+            </a:r>
+            <a:r>
+              <a:rPr lang="en-IN" b="0" i="0" dirty="0">
+                <a:solidFill>
+                  <a:schemeClr val="tx1"/>
+                </a:solidFill>
+                <a:effectLst/>
+                <a:latin typeface="Times New Roman" panose="02020603050405020304" pitchFamily="18" charset="0"/>
+                <a:cs typeface="Times New Roman" panose="02020603050405020304" pitchFamily="18" charset="0"/>
+              </a:rPr>
+              <a:t> variable (going from choosing Profile B to not sure or from not sure to picking Profile A) increase by a multiplicative factor of </a:t>
+            </a:r>
+            <a:r>
+              <a:rPr lang="en-GB" b="0" i="0" dirty="0">
+                <a:solidFill>
+                  <a:schemeClr val="tx1"/>
+                </a:solidFill>
+                <a:effectLst/>
+                <a:latin typeface="Times New Roman" panose="02020603050405020304" pitchFamily="18" charset="0"/>
+                <a:cs typeface="Times New Roman" panose="02020603050405020304" pitchFamily="18" charset="0"/>
+              </a:rPr>
+              <a:t>1.18</a:t>
             </a:r>
             <a:r>
               <a:rPr lang="en-IN" b="0" i="0" dirty="0">
@@ -5731,13 +6449,6 @@
               </a:rPr>
               <a:t>, holding all other variables constant.</a:t>
             </a:r>
-            <a:endParaRPr lang="en-GB" dirty="0">
-              <a:solidFill>
-                <a:schemeClr val="tx1"/>
-              </a:solidFill>
-              <a:latin typeface="Times New Roman" panose="02020603050405020304" pitchFamily="18" charset="0"/>
-              <a:cs typeface="Times New Roman" panose="02020603050405020304" pitchFamily="18" charset="0"/>
-            </a:endParaRPr>
           </a:p>
           <a:p>
             <a:pPr marL="0" indent="0">
@@ -5778,7 +6489,7 @@
         </p:spPr>
         <p:txBody>
           <a:bodyPr vert="horz" lIns="91440" tIns="45720" rIns="91440" bIns="45720" rtlCol="0" anchor="ctr">
-            <a:normAutofit fontScale="92500" lnSpcReduction="10000"/>
+            <a:normAutofit/>
           </a:bodyPr>
           <a:lstStyle>
             <a:lvl1pPr marL="306000" indent="-306000" algn="l" defTabSz="457200" rtl="0" eaLnBrk="1" latinLnBrk="0" hangingPunct="1">
@@ -5985,157 +6696,6 @@
               <a:buFont typeface="Wingdings 2" panose="05020102010507070707" pitchFamily="18" charset="2"/>
               <a:buNone/>
             </a:pPr>
-            <a:r>
-              <a:rPr lang="en-GB" dirty="0">
-                <a:solidFill>
-                  <a:schemeClr val="tx1"/>
-                </a:solidFill>
-                <a:latin typeface="Times New Roman" panose="02020603050405020304" pitchFamily="18" charset="0"/>
-                <a:cs typeface="Times New Roman" panose="02020603050405020304" pitchFamily="18" charset="0"/>
-              </a:rPr>
-              <a:t>My solution:</a:t>
-            </a:r>
-          </a:p>
-          <a:p>
-            <a:r>
-              <a:rPr lang="en-GB" dirty="0">
-                <a:solidFill>
-                  <a:schemeClr val="tx1"/>
-                </a:solidFill>
-                <a:latin typeface="Times New Roman" panose="02020603050405020304" pitchFamily="18" charset="0"/>
-                <a:cs typeface="Times New Roman" panose="02020603050405020304" pitchFamily="18" charset="0"/>
-              </a:rPr>
-              <a:t>Relevel the variables to a dummy variable (0 and 1)</a:t>
-            </a:r>
-          </a:p>
-          <a:p>
-            <a:r>
-              <a:rPr lang="en-GB" dirty="0">
-                <a:solidFill>
-                  <a:schemeClr val="tx1"/>
-                </a:solidFill>
-                <a:latin typeface="Times New Roman" panose="02020603050405020304" pitchFamily="18" charset="0"/>
-                <a:cs typeface="Times New Roman" panose="02020603050405020304" pitchFamily="18" charset="0"/>
-              </a:rPr>
-              <a:t>1 = The [characteristic] of respondent matches the profile</a:t>
-            </a:r>
-          </a:p>
-          <a:p>
-            <a:r>
-              <a:rPr lang="en-GB" dirty="0">
-                <a:solidFill>
-                  <a:schemeClr val="tx1"/>
-                </a:solidFill>
-                <a:latin typeface="Times New Roman" panose="02020603050405020304" pitchFamily="18" charset="0"/>
-                <a:cs typeface="Times New Roman" panose="02020603050405020304" pitchFamily="18" charset="0"/>
-              </a:rPr>
-              <a:t>0 = No match</a:t>
-            </a:r>
-          </a:p>
-          <a:p>
-            <a:r>
-              <a:rPr lang="en-GB" dirty="0">
-                <a:solidFill>
-                  <a:schemeClr val="tx1"/>
-                </a:solidFill>
-                <a:latin typeface="Times New Roman" panose="02020603050405020304" pitchFamily="18" charset="0"/>
-                <a:cs typeface="Times New Roman" panose="02020603050405020304" pitchFamily="18" charset="0"/>
-              </a:rPr>
-              <a:t>Run a logistic regression model instead</a:t>
-            </a:r>
-          </a:p>
-          <a:p>
-            <a:pPr marL="0" indent="0">
-              <a:buNone/>
-            </a:pPr>
-            <a:r>
-              <a:rPr lang="en-GB" dirty="0">
-                <a:solidFill>
-                  <a:schemeClr val="tx1"/>
-                </a:solidFill>
-                <a:latin typeface="Times New Roman" panose="02020603050405020304" pitchFamily="18" charset="0"/>
-                <a:cs typeface="Times New Roman" panose="02020603050405020304" pitchFamily="18" charset="0"/>
-              </a:rPr>
-              <a:t>What does this model tell us?</a:t>
-            </a:r>
-          </a:p>
-          <a:p>
-            <a:r>
-              <a:rPr lang="en-GB" dirty="0">
-                <a:solidFill>
-                  <a:schemeClr val="tx1"/>
-                </a:solidFill>
-                <a:latin typeface="Times New Roman" panose="02020603050405020304" pitchFamily="18" charset="0"/>
-                <a:cs typeface="Times New Roman" panose="02020603050405020304" pitchFamily="18" charset="0"/>
-              </a:rPr>
-              <a:t>On average, a 1 unit increase in x (Going from no match to match), the odds of the respondent picking a profile with the matching characteristic increase/decrease by a multiplicative factor of exp(</a:t>
-            </a:r>
-            <a:r>
-              <a:rPr lang="de-DE" sz="1800" b="0" i="0" u="none" strike="noStrike" dirty="0">
-                <a:solidFill>
-                  <a:schemeClr val="tx1"/>
-                </a:solidFill>
-                <a:effectLst/>
-                <a:latin typeface="Times New Roman" panose="02020603050405020304" pitchFamily="18" charset="0"/>
-                <a:cs typeface="Times New Roman" panose="02020603050405020304" pitchFamily="18" charset="0"/>
-              </a:rPr>
-              <a:t>𝜷1), </a:t>
-            </a:r>
-            <a:r>
-              <a:rPr lang="de-DE" sz="1800" b="0" i="0" u="none" strike="noStrike" dirty="0" err="1">
-                <a:solidFill>
-                  <a:schemeClr val="tx1"/>
-                </a:solidFill>
-                <a:effectLst/>
-                <a:latin typeface="Times New Roman" panose="02020603050405020304" pitchFamily="18" charset="0"/>
-                <a:cs typeface="Times New Roman" panose="02020603050405020304" pitchFamily="18" charset="0"/>
-              </a:rPr>
-              <a:t>holding</a:t>
-            </a:r>
-            <a:r>
-              <a:rPr lang="de-DE" sz="1800" b="0" i="0" u="none" strike="noStrike" dirty="0">
-                <a:solidFill>
-                  <a:schemeClr val="tx1"/>
-                </a:solidFill>
-                <a:effectLst/>
-                <a:latin typeface="Times New Roman" panose="02020603050405020304" pitchFamily="18" charset="0"/>
-                <a:cs typeface="Times New Roman" panose="02020603050405020304" pitchFamily="18" charset="0"/>
-              </a:rPr>
-              <a:t> all </a:t>
-            </a:r>
-            <a:r>
-              <a:rPr lang="de-DE" sz="1800" b="0" i="0" u="none" strike="noStrike" dirty="0" err="1">
-                <a:solidFill>
-                  <a:schemeClr val="tx1"/>
-                </a:solidFill>
-                <a:effectLst/>
-                <a:latin typeface="Times New Roman" panose="02020603050405020304" pitchFamily="18" charset="0"/>
-                <a:cs typeface="Times New Roman" panose="02020603050405020304" pitchFamily="18" charset="0"/>
-              </a:rPr>
-              <a:t>other</a:t>
-            </a:r>
-            <a:r>
-              <a:rPr lang="de-DE" sz="1800" b="0" i="0" u="none" strike="noStrike" dirty="0">
-                <a:solidFill>
-                  <a:schemeClr val="tx1"/>
-                </a:solidFill>
-                <a:effectLst/>
-                <a:latin typeface="Times New Roman" panose="02020603050405020304" pitchFamily="18" charset="0"/>
-                <a:cs typeface="Times New Roman" panose="02020603050405020304" pitchFamily="18" charset="0"/>
-              </a:rPr>
-              <a:t> variables </a:t>
-            </a:r>
-            <a:r>
-              <a:rPr lang="de-DE" sz="1800" b="0" i="0" u="none" strike="noStrike" dirty="0" err="1">
-                <a:solidFill>
-                  <a:schemeClr val="tx1"/>
-                </a:solidFill>
-                <a:effectLst/>
-                <a:latin typeface="Times New Roman" panose="02020603050405020304" pitchFamily="18" charset="0"/>
-                <a:cs typeface="Times New Roman" panose="02020603050405020304" pitchFamily="18" charset="0"/>
-              </a:rPr>
-              <a:t>constant</a:t>
-            </a:r>
             <a:endParaRPr lang="en-GB" dirty="0">
               <a:solidFill>
                 <a:schemeClr val="tx1"/>
@@ -6146,6 +6706,36 @@
           </a:p>
         </p:txBody>
       </p:sp>
+      <p:pic>
+        <p:nvPicPr>
+          <p:cNvPr id="5" name="Picture 4">
+            <a:extLst>
+              <a:ext uri="{FF2B5EF4-FFF2-40B4-BE49-F238E27FC236}">
+                <a16:creationId xmlns:a16="http://schemas.microsoft.com/office/drawing/2014/main" id="{E3A734F2-470E-36CF-E9FD-7F05C23C9B6A}"/>
+              </a:ext>
+            </a:extLst>
+          </p:cNvPr>
+          <p:cNvPicPr>
+            <a:picLocks noChangeAspect="1"/>
+          </p:cNvPicPr>
+          <p:nvPr/>
+        </p:nvPicPr>
+        <p:blipFill>
+          <a:blip r:embed="rId2"/>
+          <a:stretch>
+            <a:fillRect/>
+          </a:stretch>
+        </p:blipFill>
+        <p:spPr>
+          <a:xfrm>
+            <a:off x="6272931" y="702156"/>
+            <a:ext cx="4669234" cy="5776111"/>
+          </a:xfrm>
+          <a:prstGeom prst="rect">
+            <a:avLst/>
+          </a:prstGeom>
+        </p:spPr>
+      </p:pic>
     </p:spTree>
     <p:extLst>
       <p:ext uri="{BB962C8B-B14F-4D97-AF65-F5344CB8AC3E}">
@@ -6181,6 +6771,297 @@
           <p:cNvPr id="2" name="Title 1">
             <a:extLst>
               <a:ext uri="{FF2B5EF4-FFF2-40B4-BE49-F238E27FC236}">
+                <a16:creationId xmlns:a16="http://schemas.microsoft.com/office/drawing/2014/main" id="{D135617B-0ACB-73CC-CC76-E46BB950680C}"/>
+              </a:ext>
+            </a:extLst>
+          </p:cNvPr>
+          <p:cNvSpPr>
+            <a:spLocks noGrp="1"/>
+          </p:cNvSpPr>
+          <p:nvPr>
+            <p:ph type="title"/>
+          </p:nvPr>
+        </p:nvSpPr>
+        <p:spPr/>
+        <p:txBody>
+          <a:bodyPr/>
+          <a:lstStyle/>
+          <a:p>
+            <a:r>
+              <a:rPr lang="en-GB" dirty="0"/>
+              <a:t>My contribution</a:t>
+            </a:r>
+          </a:p>
+        </p:txBody>
+      </p:sp>
+      <p:sp>
+        <p:nvSpPr>
+          <p:cNvPr id="3" name="Content Placeholder 2">
+            <a:extLst>
+              <a:ext uri="{FF2B5EF4-FFF2-40B4-BE49-F238E27FC236}">
+                <a16:creationId xmlns:a16="http://schemas.microsoft.com/office/drawing/2014/main" id="{58002708-40FE-EE15-6323-A9DBFCD83743}"/>
+              </a:ext>
+            </a:extLst>
+          </p:cNvPr>
+          <p:cNvSpPr>
+            <a:spLocks noGrp="1"/>
+          </p:cNvSpPr>
+          <p:nvPr>
+            <p:ph idx="1"/>
+          </p:nvPr>
+        </p:nvSpPr>
+        <p:spPr/>
+        <p:txBody>
+          <a:bodyPr>
+            <a:normAutofit/>
+          </a:bodyPr>
+          <a:lstStyle/>
+          <a:p>
+            <a:pPr marL="0" indent="0">
+              <a:buFont typeface="Wingdings 2" panose="05020102010507070707" pitchFamily="18" charset="2"/>
+              <a:buNone/>
+            </a:pPr>
+            <a:r>
+              <a:rPr lang="en-GB" dirty="0">
+                <a:solidFill>
+                  <a:schemeClr val="tx1"/>
+                </a:solidFill>
+                <a:latin typeface="Times New Roman" panose="02020603050405020304" pitchFamily="18" charset="0"/>
+                <a:cs typeface="Times New Roman" panose="02020603050405020304" pitchFamily="18" charset="0"/>
+              </a:rPr>
+              <a:t>My solution:</a:t>
+            </a:r>
+          </a:p>
+          <a:p>
+            <a:r>
+              <a:rPr lang="en-GB" dirty="0">
+                <a:solidFill>
+                  <a:schemeClr val="tx1"/>
+                </a:solidFill>
+                <a:latin typeface="Times New Roman" panose="02020603050405020304" pitchFamily="18" charset="0"/>
+                <a:cs typeface="Times New Roman" panose="02020603050405020304" pitchFamily="18" charset="0"/>
+              </a:rPr>
+              <a:t>Relevel the variables to a dummy variable (0 and 1)</a:t>
+            </a:r>
+          </a:p>
+          <a:p>
+            <a:pPr marL="0" indent="0">
+              <a:buNone/>
+            </a:pPr>
+            <a:r>
+              <a:rPr lang="en-GB" dirty="0">
+                <a:solidFill>
+                  <a:schemeClr val="tx1"/>
+                </a:solidFill>
+                <a:latin typeface="Times New Roman" panose="02020603050405020304" pitchFamily="18" charset="0"/>
+                <a:cs typeface="Times New Roman" panose="02020603050405020304" pitchFamily="18" charset="0"/>
+              </a:rPr>
+              <a:t>Input variable:</a:t>
+            </a:r>
+          </a:p>
+          <a:p>
+            <a:r>
+              <a:rPr lang="en-GB" dirty="0">
+                <a:solidFill>
+                  <a:schemeClr val="tx1"/>
+                </a:solidFill>
+                <a:latin typeface="Times New Roman" panose="02020603050405020304" pitchFamily="18" charset="0"/>
+                <a:cs typeface="Times New Roman" panose="02020603050405020304" pitchFamily="18" charset="0"/>
+              </a:rPr>
+              <a:t>1 = The [characteristic] of respondent matches the profile</a:t>
+            </a:r>
+          </a:p>
+          <a:p>
+            <a:r>
+              <a:rPr lang="en-GB" dirty="0">
+                <a:solidFill>
+                  <a:schemeClr val="tx1"/>
+                </a:solidFill>
+                <a:latin typeface="Times New Roman" panose="02020603050405020304" pitchFamily="18" charset="0"/>
+                <a:cs typeface="Times New Roman" panose="02020603050405020304" pitchFamily="18" charset="0"/>
+              </a:rPr>
+              <a:t>0 = No match</a:t>
+            </a:r>
+          </a:p>
+          <a:p>
+            <a:r>
+              <a:rPr lang="en-GB" dirty="0">
+                <a:solidFill>
+                  <a:schemeClr val="tx1"/>
+                </a:solidFill>
+                <a:latin typeface="Times New Roman" panose="02020603050405020304" pitchFamily="18" charset="0"/>
+                <a:cs typeface="Times New Roman" panose="02020603050405020304" pitchFamily="18" charset="0"/>
+              </a:rPr>
+              <a:t>Run a logistic regression model instead</a:t>
+            </a:r>
+          </a:p>
+          <a:p>
+            <a:pPr marL="0" indent="0">
+              <a:buNone/>
+            </a:pPr>
+            <a:endParaRPr lang="en-GB" dirty="0"/>
+          </a:p>
+        </p:txBody>
+      </p:sp>
+      <p:pic>
+        <p:nvPicPr>
+          <p:cNvPr id="9" name="Picture 8">
+            <a:extLst>
+              <a:ext uri="{FF2B5EF4-FFF2-40B4-BE49-F238E27FC236}">
+                <a16:creationId xmlns:a16="http://schemas.microsoft.com/office/drawing/2014/main" id="{A83A4643-5544-3511-52A7-EA95607186E6}"/>
+              </a:ext>
+            </a:extLst>
+          </p:cNvPr>
+          <p:cNvPicPr>
+            <a:picLocks noChangeAspect="1"/>
+          </p:cNvPicPr>
+          <p:nvPr/>
+        </p:nvPicPr>
+        <p:blipFill>
+          <a:blip r:embed="rId3"/>
+          <a:stretch>
+            <a:fillRect/>
+          </a:stretch>
+        </p:blipFill>
+        <p:spPr>
+          <a:xfrm>
+            <a:off x="9295820" y="2180847"/>
+            <a:ext cx="1903123" cy="1248153"/>
+          </a:xfrm>
+          <a:prstGeom prst="rect">
+            <a:avLst/>
+          </a:prstGeom>
+        </p:spPr>
+      </p:pic>
+      <p:pic>
+        <p:nvPicPr>
+          <p:cNvPr id="11" name="Picture 10">
+            <a:extLst>
+              <a:ext uri="{FF2B5EF4-FFF2-40B4-BE49-F238E27FC236}">
+                <a16:creationId xmlns:a16="http://schemas.microsoft.com/office/drawing/2014/main" id="{538C6E5F-77FB-4C3E-0D08-7FCB5AE5665F}"/>
+              </a:ext>
+            </a:extLst>
+          </p:cNvPr>
+          <p:cNvPicPr>
+            <a:picLocks noChangeAspect="1"/>
+          </p:cNvPicPr>
+          <p:nvPr/>
+        </p:nvPicPr>
+        <p:blipFill>
+          <a:blip r:embed="rId4"/>
+          <a:stretch>
+            <a:fillRect/>
+          </a:stretch>
+        </p:blipFill>
+        <p:spPr>
+          <a:xfrm>
+            <a:off x="6637707" y="2180847"/>
+            <a:ext cx="1916357" cy="1248153"/>
+          </a:xfrm>
+          <a:prstGeom prst="rect">
+            <a:avLst/>
+          </a:prstGeom>
+        </p:spPr>
+      </p:pic>
+      <p:sp>
+        <p:nvSpPr>
+          <p:cNvPr id="12" name="TextBox 11">
+            <a:extLst>
+              <a:ext uri="{FF2B5EF4-FFF2-40B4-BE49-F238E27FC236}">
+                <a16:creationId xmlns:a16="http://schemas.microsoft.com/office/drawing/2014/main" id="{CB17FA53-5C99-6B67-0855-460F29BC6C11}"/>
+              </a:ext>
+            </a:extLst>
+          </p:cNvPr>
+          <p:cNvSpPr txBox="1"/>
+          <p:nvPr/>
+        </p:nvSpPr>
+        <p:spPr>
+          <a:xfrm>
+            <a:off x="6470559" y="3557982"/>
+            <a:ext cx="4482577" cy="923330"/>
+          </a:xfrm>
+          <a:prstGeom prst="rect">
+            <a:avLst/>
+          </a:prstGeom>
+          <a:noFill/>
+        </p:spPr>
+        <p:txBody>
+          <a:bodyPr wrap="square" rtlCol="0">
+            <a:spAutoFit/>
+          </a:bodyPr>
+          <a:lstStyle/>
+          <a:p>
+            <a:r>
+              <a:rPr lang="en-GB" dirty="0">
+                <a:latin typeface="Times New Roman" panose="02020603050405020304" pitchFamily="18" charset="0"/>
+                <a:cs typeface="Times New Roman" panose="02020603050405020304" pitchFamily="18" charset="0"/>
+              </a:rPr>
+              <a:t>Outcome variable:</a:t>
+            </a:r>
+          </a:p>
+          <a:p>
+            <a:pPr marL="285750" indent="-285750">
+              <a:buFont typeface="Wingdings" panose="05000000000000000000" pitchFamily="2" charset="2"/>
+              <a:buChar char="§"/>
+            </a:pPr>
+            <a:r>
+              <a:rPr lang="en-GB" dirty="0">
+                <a:latin typeface="Times New Roman" panose="02020603050405020304" pitchFamily="18" charset="0"/>
+                <a:cs typeface="Times New Roman" panose="02020603050405020304" pitchFamily="18" charset="0"/>
+              </a:rPr>
+              <a:t>1 = Respondent chose Profile A</a:t>
+            </a:r>
+          </a:p>
+          <a:p>
+            <a:pPr marL="285750" indent="-285750">
+              <a:buFont typeface="Wingdings" panose="05000000000000000000" pitchFamily="2" charset="2"/>
+              <a:buChar char="§"/>
+            </a:pPr>
+            <a:r>
+              <a:rPr lang="en-GB" dirty="0">
+                <a:latin typeface="Times New Roman" panose="02020603050405020304" pitchFamily="18" charset="0"/>
+                <a:cs typeface="Times New Roman" panose="02020603050405020304" pitchFamily="18" charset="0"/>
+              </a:rPr>
+              <a:t>0 = Respondent does not choose Profile A</a:t>
+            </a:r>
+          </a:p>
+        </p:txBody>
+      </p:sp>
+    </p:spTree>
+    <p:extLst>
+      <p:ext uri="{BB962C8B-B14F-4D97-AF65-F5344CB8AC3E}">
+        <p14:creationId xmlns:p14="http://schemas.microsoft.com/office/powerpoint/2010/main" val="1705642388"/>
+      </p:ext>
+    </p:extLst>
+  </p:cSld>
+  <p:clrMapOvr>
+    <a:masterClrMapping/>
+  </p:clrMapOvr>
+</p:sld>
+</file>
+
+<file path=ppt/slides/slide8.xml><?xml version="1.0" encoding="utf-8"?>
+<p:sld xmlns:a="http://schemas.openxmlformats.org/drawingml/2006/main" xmlns:r="http://schemas.openxmlformats.org/officeDocument/2006/relationships" xmlns:p="http://schemas.openxmlformats.org/presentationml/2006/main">
+  <p:cSld>
+    <p:spTree>
+      <p:nvGrpSpPr>
+        <p:cNvPr id="1" name=""/>
+        <p:cNvGrpSpPr/>
+        <p:nvPr/>
+      </p:nvGrpSpPr>
+      <p:grpSpPr>
+        <a:xfrm>
+          <a:off x="0" y="0"/>
+          <a:ext cx="0" cy="0"/>
+          <a:chOff x="0" y="0"/>
+          <a:chExt cx="0" cy="0"/>
+        </a:xfrm>
+      </p:grpSpPr>
+      <p:sp>
+        <p:nvSpPr>
+          <p:cNvPr id="2" name="Title 1">
+            <a:extLst>
+              <a:ext uri="{FF2B5EF4-FFF2-40B4-BE49-F238E27FC236}">
                 <a16:creationId xmlns:a16="http://schemas.microsoft.com/office/drawing/2014/main" id="{AC3A1DE8-1882-3F29-8610-2399A68E1676}"/>
               </a:ext>
             </a:extLst>
@@ -6286,7 +7167,28 @@
                 <a:latin typeface="Times New Roman" panose="02020603050405020304" pitchFamily="18" charset="0"/>
                 <a:cs typeface="Times New Roman" panose="02020603050405020304" pitchFamily="18" charset="0"/>
               </a:rPr>
-              <a:t>This model explains the odds of a respondent picking Profile B if the respondent’s [characteristic] matches the characteristic in the profile</a:t>
+              <a:t>This model explains the odds of a respondent picking Profile B if the respondent’s [characteristic] matches the [characteristic] in profile B</a:t>
+            </a:r>
+          </a:p>
+          <a:p>
+            <a:pPr marL="0" indent="0">
+              <a:buNone/>
+            </a:pPr>
+            <a:r>
+              <a:rPr lang="en-GB" dirty="0">
+                <a:latin typeface="Times New Roman" panose="02020603050405020304" pitchFamily="18" charset="0"/>
+                <a:cs typeface="Times New Roman" panose="02020603050405020304" pitchFamily="18" charset="0"/>
+              </a:rPr>
+              <a:t>Example interpretation:</a:t>
+            </a:r>
+          </a:p>
+          <a:p>
+            <a:r>
+              <a:rPr lang="en-GB" dirty="0">
+                <a:latin typeface="Times New Roman" panose="02020603050405020304" pitchFamily="18" charset="0"/>
+                <a:cs typeface="Times New Roman" panose="02020603050405020304" pitchFamily="18" charset="0"/>
+              </a:rPr>
+              <a:t>When the respondent’s ethnicity matches the one in Profile B, the odds of the respondent selecting Profile B increase by a multiplicative factor of 2.00 on average, while holding all other variables constant</a:t>
             </a:r>
           </a:p>
           <a:p>
@@ -6317,27 +7219,6 @@
                 <a:cs typeface="Times New Roman" panose="02020603050405020304" pitchFamily="18" charset="0"/>
               </a:rPr>
               <a:t>The coefficient for Family class is not significant anymore</a:t>
-            </a:r>
-          </a:p>
-          <a:p>
-            <a:pPr marL="0" indent="0">
-              <a:buNone/>
-            </a:pPr>
-            <a:r>
-              <a:rPr lang="en-GB" dirty="0">
-                <a:latin typeface="Times New Roman" panose="02020603050405020304" pitchFamily="18" charset="0"/>
-                <a:cs typeface="Times New Roman" panose="02020603050405020304" pitchFamily="18" charset="0"/>
-              </a:rPr>
-              <a:t>Example interpretation:</a:t>
-            </a:r>
-          </a:p>
-          <a:p>
-            <a:r>
-              <a:rPr lang="en-GB" dirty="0">
-                <a:latin typeface="Times New Roman" panose="02020603050405020304" pitchFamily="18" charset="0"/>
-                <a:cs typeface="Times New Roman" panose="02020603050405020304" pitchFamily="18" charset="0"/>
-              </a:rPr>
-              <a:t>When the respondent’s ethnicity matches the one in Profile B, the odds of the respondent selecting Profile B increase by a multiplicative factor of 2.00 on average, while holding all other variables constant</a:t>
             </a:r>
           </a:p>
           <a:p>
@@ -6376,7 +7257,7 @@
 </p:sld>
 </file>
 
-<file path=ppt/slides/slide8.xml><?xml version="1.0" encoding="utf-8"?>
+<file path=ppt/slides/slide9.xml><?xml version="1.0" encoding="utf-8"?>
 <p:sld xmlns:a="http://schemas.openxmlformats.org/drawingml/2006/main" xmlns:r="http://schemas.openxmlformats.org/officeDocument/2006/relationships" xmlns:p="http://schemas.openxmlformats.org/presentationml/2006/main">
   <p:cSld>
     <p:spTree>
@@ -6416,7 +7297,14 @@
           <a:p>
             <a:r>
               <a:rPr lang="en-GB" dirty="0"/>
-              <a:t>Figure 3 from original study</a:t>
+              <a:t>Figure 3 from </a:t>
+            </a:r>
+            <a:br>
+              <a:rPr lang="en-GB" dirty="0"/>
+            </a:br>
+            <a:r>
+              <a:rPr lang="en-GB" dirty="0"/>
+              <a:t>original study</a:t>
             </a:r>
           </a:p>
         </p:txBody>
@@ -6471,8 +7359,8 @@
         </p:blipFill>
         <p:spPr>
           <a:xfrm>
-            <a:off x="260118" y="1934551"/>
-            <a:ext cx="7247248" cy="4404742"/>
+            <a:off x="0" y="2579771"/>
+            <a:ext cx="6921910" cy="4207008"/>
           </a:xfrm>
           <a:prstGeom prst="rect">
             <a:avLst/>
@@ -6501,8 +7389,8 @@
         </p:blipFill>
         <p:spPr>
           <a:xfrm>
-            <a:off x="5051278" y="2339821"/>
-            <a:ext cx="6324645" cy="3983518"/>
+            <a:off x="5129733" y="269830"/>
+            <a:ext cx="6668976" cy="4200391"/>
           </a:xfrm>
           <a:prstGeom prst="rect">
             <a:avLst/>
@@ -6789,4 +7677,319 @@
     </a:ext>
   </a:extLst>
 </a:theme>
+</file>
+
+<file path=ppt/theme/theme2.xml><?xml version="1.0" encoding="utf-8"?>
+<a:theme xmlns:a="http://schemas.openxmlformats.org/drawingml/2006/main" name="Office Theme">
+  <a:themeElements>
+    <a:clrScheme name="Office">
+      <a:dk1>
+        <a:sysClr val="windowText" lastClr="000000"/>
+      </a:dk1>
+      <a:lt1>
+        <a:sysClr val="window" lastClr="FFFFFF"/>
+      </a:lt1>
+      <a:dk2>
+        <a:srgbClr val="0E2841"/>
+      </a:dk2>
+      <a:lt2>
+        <a:srgbClr val="E8E8E8"/>
+      </a:lt2>
+      <a:accent1>
+        <a:srgbClr val="156082"/>
+      </a:accent1>
+      <a:accent2>
+        <a:srgbClr val="E97132"/>
+      </a:accent2>
+      <a:accent3>
+        <a:srgbClr val="196B24"/>
+      </a:accent3>
+      <a:accent4>
+        <a:srgbClr val="0F9ED5"/>
+      </a:accent4>
+      <a:accent5>
+        <a:srgbClr val="A02B93"/>
+      </a:accent5>
+      <a:accent6>
+        <a:srgbClr val="4EA72E"/>
+      </a:accent6>
+      <a:hlink>
+        <a:srgbClr val="467886"/>
+      </a:hlink>
+      <a:folHlink>
+        <a:srgbClr val="96607D"/>
+      </a:folHlink>
+    </a:clrScheme>
+    <a:fontScheme name="Office">
+      <a:majorFont>
+        <a:latin typeface="Aptos Display" panose="02110004020202020204"/>
+        <a:ea typeface=""/>
+        <a:cs typeface=""/>
+        <a:font script="Jpan" typeface="游ゴシック Light"/>
+        <a:font script="Hang" typeface="맑은 고딕"/>
+        <a:font script="Hans" typeface="等线 Light"/>
+        <a:font script="Hant" typeface="新細明體"/>
+        <a:font script="Arab" typeface="Times New Roman"/>
+        <a:font script="Hebr" typeface="Times New Roman"/>
+        <a:font script="Thai" typeface="Angsana New"/>
+        <a:font script="Ethi" typeface="Nyala"/>
+        <a:font script="Beng" typeface="Vrinda"/>
+        <a:font script="Gujr" typeface="Shruti"/>
+        <a:font script="Khmr" typeface="MoolBoran"/>
+        <a:font script="Knda" typeface="Tunga"/>
+        <a:font script="Guru" typeface="Raavi"/>
+        <a:font script="Cans" typeface="Euphemia"/>
+        <a:font script="Cher" typeface="Plantagenet Cherokee"/>
+        <a:font script="Yiii" typeface="Microsoft Yi Baiti"/>
+        <a:font script="Tibt" typeface="Microsoft Himalaya"/>
+        <a:font script="Thaa" typeface="MV Boli"/>
+        <a:font script="Deva" typeface="Mangal"/>
+        <a:font script="Telu" typeface="Gautami"/>
+        <a:font script="Taml" typeface="Latha"/>
+        <a:font script="Syrc" typeface="Estrangelo Edessa"/>
+        <a:font script="Orya" typeface="Kalinga"/>
+        <a:font script="Mlym" typeface="Kartika"/>
+        <a:font script="Laoo" typeface="DokChampa"/>
+        <a:font script="Sinh" typeface="Iskoola Pota"/>
+        <a:font script="Mong" typeface="Mongolian Baiti"/>
+        <a:font script="Viet" typeface="Times New Roman"/>
+        <a:font script="Uigh" typeface="Microsoft Uighur"/>
+        <a:font script="Geor" typeface="Sylfaen"/>
+        <a:font script="Armn" typeface="Arial"/>
+        <a:font script="Bugi" typeface="Leelawadee UI"/>
+        <a:font script="Bopo" typeface="Microsoft JhengHei"/>
+        <a:font script="Java" typeface="Javanese Text"/>
+        <a:font script="Lisu" typeface="Segoe UI"/>
+        <a:font script="Mymr" typeface="Myanmar Text"/>
+        <a:font script="Nkoo" typeface="Ebrima"/>
+        <a:font script="Olck" typeface="Nirmala UI"/>
+        <a:font script="Osma" typeface="Ebrima"/>
+        <a:font script="Phag" typeface="Phagspa"/>
+        <a:font script="Syrn" typeface="Estrangelo Edessa"/>
+        <a:font script="Syrj" typeface="Estrangelo Edessa"/>
+        <a:font script="Syre" typeface="Estrangelo Edessa"/>
+        <a:font script="Sora" typeface="Nirmala UI"/>
+        <a:font script="Tale" typeface="Microsoft Tai Le"/>
+        <a:font script="Talu" typeface="Microsoft New Tai Lue"/>
+        <a:font script="Tfng" typeface="Ebrima"/>
+      </a:majorFont>
+      <a:minorFont>
+        <a:latin typeface="Aptos" panose="02110004020202020204"/>
+        <a:ea typeface=""/>
+        <a:cs typeface=""/>
+        <a:font script="Jpan" typeface="游ゴシック"/>
+        <a:font script="Hang" typeface="맑은 고딕"/>
+        <a:font script="Hans" typeface="等线"/>
+        <a:font script="Hant" typeface="新細明體"/>
+        <a:font script="Arab" typeface="Arial"/>
+        <a:font script="Hebr" typeface="Arial"/>
+        <a:font script="Thai" typeface="Cordia New"/>
+        <a:font script="Ethi" typeface="Nyala"/>
+        <a:font script="Beng" typeface="Vrinda"/>
+        <a:font script="Gujr" typeface="Shruti"/>
+        <a:font script="Khmr" typeface="DaunPenh"/>
+        <a:font script="Knda" typeface="Tunga"/>
+        <a:font script="Guru" typeface="Raavi"/>
+        <a:font script="Cans" typeface="Euphemia"/>
+        <a:font script="Cher" typeface="Plantagenet Cherokee"/>
+        <a:font script="Yiii" typeface="Microsoft Yi Baiti"/>
+        <a:font script="Tibt" typeface="Microsoft Himalaya"/>
+        <a:font script="Thaa" typeface="MV Boli"/>
+        <a:font script="Deva" typeface="Mangal"/>
+        <a:font script="Telu" typeface="Gautami"/>
+        <a:font script="Taml" typeface="Latha"/>
+        <a:font script="Syrc" typeface="Estrangelo Edessa"/>
+        <a:font script="Orya" typeface="Kalinga"/>
+        <a:font script="Mlym" typeface="Kartika"/>
+        <a:font script="Laoo" typeface="DokChampa"/>
+        <a:font script="Sinh" typeface="Iskoola Pota"/>
+        <a:font script="Mong" typeface="Mongolian Baiti"/>
+        <a:font script="Viet" typeface="Arial"/>
+        <a:font script="Uigh" typeface="Microsoft Uighur"/>
+        <a:font script="Geor" typeface="Sylfaen"/>
+        <a:font script="Armn" typeface="Arial"/>
+        <a:font script="Bugi" typeface="Leelawadee UI"/>
+        <a:font script="Bopo" typeface="Microsoft JhengHei"/>
+        <a:font script="Java" typeface="Javanese Text"/>
+        <a:font script="Lisu" typeface="Segoe UI"/>
+        <a:font script="Mymr" typeface="Myanmar Text"/>
+        <a:font script="Nkoo" typeface="Ebrima"/>
+        <a:font script="Olck" typeface="Nirmala UI"/>
+        <a:font script="Osma" typeface="Ebrima"/>
+        <a:font script="Phag" typeface="Phagspa"/>
+        <a:font script="Syrn" typeface="Estrangelo Edessa"/>
+        <a:font script="Syrj" typeface="Estrangelo Edessa"/>
+        <a:font script="Syre" typeface="Estrangelo Edessa"/>
+        <a:font script="Sora" typeface="Nirmala UI"/>
+        <a:font script="Tale" typeface="Microsoft Tai Le"/>
+        <a:font script="Talu" typeface="Microsoft New Tai Lue"/>
+        <a:font script="Tfng" typeface="Ebrima"/>
+      </a:minorFont>
+    </a:fontScheme>
+    <a:fmtScheme name="Office">
+      <a:fillStyleLst>
+        <a:solidFill>
+          <a:schemeClr val="phClr"/>
+        </a:solidFill>
+        <a:gradFill rotWithShape="1">
+          <a:gsLst>
+            <a:gs pos="0">
+              <a:schemeClr val="phClr">
+                <a:lumMod val="110000"/>
+                <a:satMod val="105000"/>
+                <a:tint val="67000"/>
+              </a:schemeClr>
+            </a:gs>
+            <a:gs pos="50000">
+              <a:schemeClr val="phClr">
+                <a:lumMod val="105000"/>
+                <a:satMod val="103000"/>
+                <a:tint val="73000"/>
+              </a:schemeClr>
+            </a:gs>
+            <a:gs pos="100000">
+              <a:schemeClr val="phClr">
+                <a:lumMod val="105000"/>
+                <a:satMod val="109000"/>
+                <a:tint val="81000"/>
+              </a:schemeClr>
+            </a:gs>
+          </a:gsLst>
+          <a:lin ang="5400000" scaled="0"/>
+        </a:gradFill>
+        <a:gradFill rotWithShape="1">
+          <a:gsLst>
+            <a:gs pos="0">
+              <a:schemeClr val="phClr">
+                <a:satMod val="103000"/>
+                <a:lumMod val="102000"/>
+                <a:tint val="94000"/>
+              </a:schemeClr>
+            </a:gs>
+            <a:gs pos="50000">
+              <a:schemeClr val="phClr">
+                <a:satMod val="110000"/>
+                <a:lumMod val="100000"/>
+                <a:shade val="100000"/>
+              </a:schemeClr>
+            </a:gs>
+            <a:gs pos="100000">
+              <a:schemeClr val="phClr">
+                <a:lumMod val="99000"/>
+                <a:satMod val="120000"/>
+                <a:shade val="78000"/>
+              </a:schemeClr>
+            </a:gs>
+          </a:gsLst>
+          <a:lin ang="5400000" scaled="0"/>
+        </a:gradFill>
+      </a:fillStyleLst>
+      <a:lnStyleLst>
+        <a:ln w="12700" cap="flat" cmpd="sng" algn="ctr">
+          <a:solidFill>
+            <a:schemeClr val="phClr"/>
+          </a:solidFill>
+          <a:prstDash val="solid"/>
+          <a:miter lim="800000"/>
+        </a:ln>
+        <a:ln w="19050" cap="flat" cmpd="sng" algn="ctr">
+          <a:solidFill>
+            <a:schemeClr val="phClr"/>
+          </a:solidFill>
+          <a:prstDash val="solid"/>
+          <a:miter lim="800000"/>
+        </a:ln>
+        <a:ln w="25400" cap="flat" cmpd="sng" algn="ctr">
+          <a:solidFill>
+            <a:schemeClr val="phClr"/>
+          </a:solidFill>
+          <a:prstDash val="solid"/>
+          <a:miter lim="800000"/>
+        </a:ln>
+      </a:lnStyleLst>
+      <a:effectStyleLst>
+        <a:effectStyle>
+          <a:effectLst/>
+        </a:effectStyle>
+        <a:effectStyle>
+          <a:effectLst/>
+        </a:effectStyle>
+        <a:effectStyle>
+          <a:effectLst>
+            <a:outerShdw blurRad="57150" dist="19050" dir="5400000" algn="ctr" rotWithShape="0">
+              <a:srgbClr val="000000">
+                <a:alpha val="63000"/>
+              </a:srgbClr>
+            </a:outerShdw>
+          </a:effectLst>
+        </a:effectStyle>
+      </a:effectStyleLst>
+      <a:bgFillStyleLst>
+        <a:solidFill>
+          <a:schemeClr val="phClr"/>
+        </a:solidFill>
+        <a:solidFill>
+          <a:schemeClr val="phClr">
+            <a:tint val="95000"/>
+            <a:satMod val="170000"/>
+          </a:schemeClr>
+        </a:solidFill>
+        <a:gradFill rotWithShape="1">
+          <a:gsLst>
+            <a:gs pos="0">
+              <a:schemeClr val="phClr">
+                <a:tint val="93000"/>
+                <a:satMod val="150000"/>
+                <a:shade val="98000"/>
+                <a:lumMod val="102000"/>
+              </a:schemeClr>
+            </a:gs>
+            <a:gs pos="50000">
+              <a:schemeClr val="phClr">
+                <a:tint val="98000"/>
+                <a:satMod val="130000"/>
+                <a:shade val="90000"/>
+                <a:lumMod val="103000"/>
+              </a:schemeClr>
+            </a:gs>
+            <a:gs pos="100000">
+              <a:schemeClr val="phClr">
+                <a:shade val="63000"/>
+                <a:satMod val="120000"/>
+              </a:schemeClr>
+            </a:gs>
+          </a:gsLst>
+          <a:lin ang="5400000" scaled="0"/>
+        </a:gradFill>
+      </a:bgFillStyleLst>
+    </a:fmtScheme>
+  </a:themeElements>
+  <a:objectDefaults>
+    <a:lnDef>
+      <a:spPr/>
+      <a:bodyPr/>
+      <a:lstStyle/>
+      <a:style>
+        <a:lnRef idx="2">
+          <a:schemeClr val="accent1"/>
+        </a:lnRef>
+        <a:fillRef idx="0">
+          <a:schemeClr val="accent1"/>
+        </a:fillRef>
+        <a:effectRef idx="1">
+          <a:schemeClr val="accent1"/>
+        </a:effectRef>
+        <a:fontRef idx="minor">
+          <a:schemeClr val="tx1"/>
+        </a:fontRef>
+      </a:style>
+    </a:lnDef>
+  </a:objectDefaults>
+  <a:extraClrSchemeLst/>
+  <a:extLst>
+    <a:ext uri="{05A4C25C-085E-4340-85A3-A5531E510DB2}">
+      <thm15:themeFamily xmlns:thm15="http://schemas.microsoft.com/office/thememl/2012/main" name="Office Theme" id="{2E142A2C-CD16-42D6-873A-C26D2A0506FA}" vid="{1BDDFF52-6CD6-40A5-AB3C-68EB2F1E4D0A}"/>
+    </a:ext>
+  </a:extLst>
+</a:theme>
 </file>